--- a/presentations/kmeans_clustering.pptx
+++ b/presentations/kmeans_clustering.pptx
@@ -6,25 +6,24 @@
   </p:sldMasterIdLst>
   <p:sldIdLst>
     <p:sldId id="256" r:id="rId2"/>
-    <p:sldId id="275" r:id="rId3"/>
-    <p:sldId id="258" r:id="rId4"/>
-    <p:sldId id="257" r:id="rId5"/>
-    <p:sldId id="259" r:id="rId6"/>
-    <p:sldId id="273" r:id="rId7"/>
-    <p:sldId id="260" r:id="rId8"/>
-    <p:sldId id="261" r:id="rId9"/>
-    <p:sldId id="269" r:id="rId10"/>
-    <p:sldId id="270" r:id="rId11"/>
-    <p:sldId id="271" r:id="rId12"/>
-    <p:sldId id="262" r:id="rId13"/>
-    <p:sldId id="263" r:id="rId14"/>
-    <p:sldId id="264" r:id="rId15"/>
-    <p:sldId id="265" r:id="rId16"/>
-    <p:sldId id="266" r:id="rId17"/>
-    <p:sldId id="267" r:id="rId18"/>
-    <p:sldId id="268" r:id="rId19"/>
-    <p:sldId id="272" r:id="rId20"/>
-    <p:sldId id="274" r:id="rId21"/>
+    <p:sldId id="258" r:id="rId3"/>
+    <p:sldId id="257" r:id="rId4"/>
+    <p:sldId id="259" r:id="rId5"/>
+    <p:sldId id="273" r:id="rId6"/>
+    <p:sldId id="260" r:id="rId7"/>
+    <p:sldId id="261" r:id="rId8"/>
+    <p:sldId id="269" r:id="rId9"/>
+    <p:sldId id="270" r:id="rId10"/>
+    <p:sldId id="271" r:id="rId11"/>
+    <p:sldId id="262" r:id="rId12"/>
+    <p:sldId id="263" r:id="rId13"/>
+    <p:sldId id="264" r:id="rId14"/>
+    <p:sldId id="265" r:id="rId15"/>
+    <p:sldId id="266" r:id="rId16"/>
+    <p:sldId id="267" r:id="rId17"/>
+    <p:sldId id="268" r:id="rId18"/>
+    <p:sldId id="272" r:id="rId19"/>
+    <p:sldId id="274" r:id="rId20"/>
   </p:sldIdLst>
   <p:sldSz cx="9144000" cy="6858000" type="screen4x3"/>
   <p:notesSz cx="6858000" cy="9144000"/>
@@ -307,7 +306,7 @@
           <a:p>
             <a:fld id="{70B5A9F8-2D01-244F-BBDF-79D1EB9E2008}" type="datetimeFigureOut">
               <a:rPr lang="en-US" smtClean="0"/>
-              <a:t>1/3/14</a:t>
+              <a:t>1/6/14</a:t>
             </a:fld>
             <a:endParaRPr lang="en-US"/>
           </a:p>
@@ -477,7 +476,7 @@
           <a:p>
             <a:fld id="{70B5A9F8-2D01-244F-BBDF-79D1EB9E2008}" type="datetimeFigureOut">
               <a:rPr lang="en-US" smtClean="0"/>
-              <a:t>1/3/14</a:t>
+              <a:t>1/6/14</a:t>
             </a:fld>
             <a:endParaRPr lang="en-US"/>
           </a:p>
@@ -657,7 +656,7 @@
           <a:p>
             <a:fld id="{70B5A9F8-2D01-244F-BBDF-79D1EB9E2008}" type="datetimeFigureOut">
               <a:rPr lang="en-US" smtClean="0"/>
-              <a:t>1/3/14</a:t>
+              <a:t>1/6/14</a:t>
             </a:fld>
             <a:endParaRPr lang="en-US"/>
           </a:p>
@@ -827,7 +826,7 @@
           <a:p>
             <a:fld id="{70B5A9F8-2D01-244F-BBDF-79D1EB9E2008}" type="datetimeFigureOut">
               <a:rPr lang="en-US" smtClean="0"/>
-              <a:t>1/3/14</a:t>
+              <a:t>1/6/14</a:t>
             </a:fld>
             <a:endParaRPr lang="en-US"/>
           </a:p>
@@ -1073,7 +1072,7 @@
           <a:p>
             <a:fld id="{70B5A9F8-2D01-244F-BBDF-79D1EB9E2008}" type="datetimeFigureOut">
               <a:rPr lang="en-US" smtClean="0"/>
-              <a:t>1/3/14</a:t>
+              <a:t>1/6/14</a:t>
             </a:fld>
             <a:endParaRPr lang="en-US"/>
           </a:p>
@@ -1361,7 +1360,7 @@
           <a:p>
             <a:fld id="{70B5A9F8-2D01-244F-BBDF-79D1EB9E2008}" type="datetimeFigureOut">
               <a:rPr lang="en-US" smtClean="0"/>
-              <a:t>1/3/14</a:t>
+              <a:t>1/6/14</a:t>
             </a:fld>
             <a:endParaRPr lang="en-US"/>
           </a:p>
@@ -1783,7 +1782,7 @@
           <a:p>
             <a:fld id="{70B5A9F8-2D01-244F-BBDF-79D1EB9E2008}" type="datetimeFigureOut">
               <a:rPr lang="en-US" smtClean="0"/>
-              <a:t>1/3/14</a:t>
+              <a:t>1/6/14</a:t>
             </a:fld>
             <a:endParaRPr lang="en-US"/>
           </a:p>
@@ -1901,7 +1900,7 @@
           <a:p>
             <a:fld id="{70B5A9F8-2D01-244F-BBDF-79D1EB9E2008}" type="datetimeFigureOut">
               <a:rPr lang="en-US" smtClean="0"/>
-              <a:t>1/3/14</a:t>
+              <a:t>1/6/14</a:t>
             </a:fld>
             <a:endParaRPr lang="en-US"/>
           </a:p>
@@ -1996,7 +1995,7 @@
           <a:p>
             <a:fld id="{70B5A9F8-2D01-244F-BBDF-79D1EB9E2008}" type="datetimeFigureOut">
               <a:rPr lang="en-US" smtClean="0"/>
-              <a:t>1/3/14</a:t>
+              <a:t>1/6/14</a:t>
             </a:fld>
             <a:endParaRPr lang="en-US"/>
           </a:p>
@@ -2273,7 +2272,7 @@
           <a:p>
             <a:fld id="{70B5A9F8-2D01-244F-BBDF-79D1EB9E2008}" type="datetimeFigureOut">
               <a:rPr lang="en-US" smtClean="0"/>
-              <a:t>1/3/14</a:t>
+              <a:t>1/6/14</a:t>
             </a:fld>
             <a:endParaRPr lang="en-US"/>
           </a:p>
@@ -2526,7 +2525,7 @@
           <a:p>
             <a:fld id="{70B5A9F8-2D01-244F-BBDF-79D1EB9E2008}" type="datetimeFigureOut">
               <a:rPr lang="en-US" smtClean="0"/>
-              <a:t>1/3/14</a:t>
+              <a:t>1/6/14</a:t>
             </a:fld>
             <a:endParaRPr lang="en-US"/>
           </a:p>
@@ -2739,7 +2738,7 @@
           <a:p>
             <a:fld id="{70B5A9F8-2D01-244F-BBDF-79D1EB9E2008}" type="datetimeFigureOut">
               <a:rPr lang="en-US" smtClean="0"/>
-              <a:t>1/3/14</a:t>
+              <a:t>1/6/14</a:t>
             </a:fld>
             <a:endParaRPr lang="en-US"/>
           </a:p>
@@ -3153,14 +3152,6 @@
           <a:lstStyle/>
           <a:p>
             <a:r>
-              <a:rPr lang="en-US" dirty="0" err="1" smtClean="0"/>
-              <a:t>DBScan</a:t>
-            </a:r>
-            <a:r>
-              <a:rPr lang="en-US" dirty="0" smtClean="0"/>
-              <a:t>, </a:t>
-            </a:r>
-            <a:r>
               <a:rPr lang="en-US" dirty="0" smtClean="0"/>
               <a:t>K Means / X Means Clustering</a:t>
             </a:r>
@@ -3214,18 +3205,79 @@
         </p:blipFill>
         <p:spPr>
           <a:xfrm>
-            <a:off x="1193800" y="0"/>
-            <a:ext cx="6754958" cy="6858000"/>
+            <a:off x="472612" y="0"/>
+            <a:ext cx="6754786" cy="6858000"/>
           </a:xfrm>
           <a:prstGeom prst="rect">
             <a:avLst/>
           </a:prstGeom>
         </p:spPr>
       </p:pic>
+      <p:sp>
+        <p:nvSpPr>
+          <p:cNvPr id="3" name="TextBox 2"/>
+          <p:cNvSpPr txBox="1"/>
+          <p:nvPr/>
+        </p:nvSpPr>
+        <p:spPr>
+          <a:xfrm>
+            <a:off x="7384182" y="2446066"/>
+            <a:ext cx="1759818" cy="2308324"/>
+          </a:xfrm>
+          <a:prstGeom prst="rect">
+            <a:avLst/>
+          </a:prstGeom>
+          <a:noFill/>
+        </p:spPr>
+        <p:txBody>
+          <a:bodyPr wrap="square" rtlCol="0">
+            <a:spAutoFit/>
+          </a:bodyPr>
+          <a:lstStyle/>
+          <a:p>
+            <a:r>
+              <a:rPr lang="en-US" b="1" dirty="0" smtClean="0"/>
+              <a:t>Weight </a:t>
+            </a:r>
+            <a:r>
+              <a:rPr lang="en-US" b="1" dirty="0" err="1"/>
+              <a:t>vs</a:t>
+            </a:r>
+            <a:r>
+              <a:rPr lang="en-US" b="1" dirty="0"/>
+              <a:t> Live with Parents</a:t>
+            </a:r>
+            <a:r>
+              <a:rPr lang="en-US" b="1" dirty="0" smtClean="0"/>
+              <a:t>?</a:t>
+            </a:r>
+            <a:endParaRPr lang="en-US" dirty="0" smtClean="0"/>
+          </a:p>
+          <a:p>
+            <a:endParaRPr lang="en-US" dirty="0"/>
+          </a:p>
+          <a:p>
+            <a:r>
+              <a:rPr lang="en-US" dirty="0" smtClean="0"/>
+              <a:t>1 = live with parents</a:t>
+            </a:r>
+          </a:p>
+          <a:p>
+            <a:endParaRPr lang="en-US" dirty="0" smtClean="0"/>
+          </a:p>
+          <a:p>
+            <a:r>
+              <a:rPr lang="en-US" dirty="0" smtClean="0"/>
+              <a:t>0 = don’t live with parents</a:t>
+            </a:r>
+            <a:endParaRPr lang="en-US" dirty="0"/>
+          </a:p>
+        </p:txBody>
+      </p:sp>
     </p:spTree>
     <p:extLst>
       <p:ext uri="{BB962C8B-B14F-4D97-AF65-F5344CB8AC3E}">
-        <p14:creationId xmlns:p14="http://schemas.microsoft.com/office/powerpoint/2010/main" val="3181634732"/>
+        <p14:creationId xmlns:p14="http://schemas.microsoft.com/office/powerpoint/2010/main" val="178249329"/>
       </p:ext>
     </p:extLst>
   </p:cSld>
@@ -3261,7 +3313,7 @@
       </p:grpSpPr>
       <p:pic>
         <p:nvPicPr>
-          <p:cNvPr id="4" name="Picture 3"/>
+          <p:cNvPr id="5" name="Picture 4"/>
           <p:cNvPicPr>
             <a:picLocks noChangeAspect="1"/>
           </p:cNvPicPr>
@@ -3275,18 +3327,83 @@
         </p:blipFill>
         <p:spPr>
           <a:xfrm>
-            <a:off x="1193800" y="0"/>
-            <a:ext cx="6754786" cy="6858000"/>
+            <a:off x="592080" y="0"/>
+            <a:ext cx="6698246" cy="6858000"/>
           </a:xfrm>
           <a:prstGeom prst="rect">
             <a:avLst/>
           </a:prstGeom>
         </p:spPr>
       </p:pic>
+      <p:sp>
+        <p:nvSpPr>
+          <p:cNvPr id="3" name="TextBox 2"/>
+          <p:cNvSpPr txBox="1"/>
+          <p:nvPr/>
+        </p:nvSpPr>
+        <p:spPr>
+          <a:xfrm>
+            <a:off x="7384182" y="2446066"/>
+            <a:ext cx="1759818" cy="2308324"/>
+          </a:xfrm>
+          <a:prstGeom prst="rect">
+            <a:avLst/>
+          </a:prstGeom>
+          <a:noFill/>
+        </p:spPr>
+        <p:txBody>
+          <a:bodyPr wrap="square" rtlCol="0">
+            <a:spAutoFit/>
+          </a:bodyPr>
+          <a:lstStyle/>
+          <a:p>
+            <a:r>
+              <a:rPr lang="en-US" b="1" dirty="0" smtClean="0"/>
+              <a:t>Age </a:t>
+            </a:r>
+            <a:r>
+              <a:rPr lang="en-US" b="1" dirty="0" err="1" smtClean="0"/>
+              <a:t>vs</a:t>
+            </a:r>
+            <a:r>
+              <a:rPr lang="en-US" b="1" dirty="0" smtClean="0"/>
+              <a:t> Do you Drink?</a:t>
+            </a:r>
+            <a:endParaRPr lang="en-US" dirty="0" smtClean="0"/>
+          </a:p>
+          <a:p>
+            <a:endParaRPr lang="en-US" dirty="0"/>
+          </a:p>
+          <a:p>
+            <a:r>
+              <a:rPr lang="en-US" dirty="0" smtClean="0"/>
+              <a:t>0 = doesn’t matter</a:t>
+            </a:r>
+          </a:p>
+          <a:p>
+            <a:r>
+              <a:rPr lang="en-US" dirty="0" smtClean="0"/>
+              <a:t>1 = no</a:t>
+            </a:r>
+          </a:p>
+          <a:p>
+            <a:r>
+              <a:rPr lang="en-US" dirty="0" smtClean="0"/>
+              <a:t>2 = occasionally</a:t>
+            </a:r>
+          </a:p>
+          <a:p>
+            <a:r>
+              <a:rPr lang="en-US" dirty="0" smtClean="0"/>
+              <a:t>3 = yes</a:t>
+            </a:r>
+          </a:p>
+        </p:txBody>
+      </p:sp>
     </p:spTree>
     <p:extLst>
       <p:ext uri="{BB962C8B-B14F-4D97-AF65-F5344CB8AC3E}">
-        <p14:creationId xmlns:p14="http://schemas.microsoft.com/office/powerpoint/2010/main" val="178249329"/>
+        <p14:creationId xmlns:p14="http://schemas.microsoft.com/office/powerpoint/2010/main" val="3918660476"/>
       </p:ext>
     </p:extLst>
   </p:cSld>
@@ -3322,7 +3439,7 @@
       </p:grpSpPr>
       <p:pic>
         <p:nvPicPr>
-          <p:cNvPr id="5" name="Picture 4"/>
+          <p:cNvPr id="4" name="Picture 3"/>
           <p:cNvPicPr>
             <a:picLocks noChangeAspect="1"/>
           </p:cNvPicPr>
@@ -3336,18 +3453,101 @@
         </p:blipFill>
         <p:spPr>
           <a:xfrm>
-            <a:off x="1219200" y="0"/>
-            <a:ext cx="6698246" cy="6858000"/>
+            <a:off x="337466" y="0"/>
+            <a:ext cx="6800466" cy="6858000"/>
           </a:xfrm>
           <a:prstGeom prst="rect">
             <a:avLst/>
           </a:prstGeom>
         </p:spPr>
       </p:pic>
+      <p:sp>
+        <p:nvSpPr>
+          <p:cNvPr id="3" name="TextBox 2"/>
+          <p:cNvSpPr txBox="1"/>
+          <p:nvPr/>
+        </p:nvSpPr>
+        <p:spPr>
+          <a:xfrm>
+            <a:off x="7384182" y="2446066"/>
+            <a:ext cx="1759818" cy="2585323"/>
+          </a:xfrm>
+          <a:prstGeom prst="rect">
+            <a:avLst/>
+          </a:prstGeom>
+          <a:noFill/>
+        </p:spPr>
+        <p:txBody>
+          <a:bodyPr wrap="square" rtlCol="0">
+            <a:spAutoFit/>
+          </a:bodyPr>
+          <a:lstStyle/>
+          <a:p>
+            <a:r>
+              <a:rPr lang="en-US" b="1" dirty="0" smtClean="0"/>
+              <a:t>Age </a:t>
+            </a:r>
+            <a:r>
+              <a:rPr lang="en-US" b="1" dirty="0" err="1" smtClean="0"/>
+              <a:t>vs</a:t>
+            </a:r>
+            <a:r>
+              <a:rPr lang="en-US" b="1" dirty="0" smtClean="0"/>
+              <a:t> Values</a:t>
+            </a:r>
+            <a:endParaRPr lang="en-US" dirty="0" smtClean="0"/>
+          </a:p>
+          <a:p>
+            <a:endParaRPr lang="en-US" dirty="0"/>
+          </a:p>
+          <a:p>
+            <a:r>
+              <a:rPr lang="en-US" dirty="0" smtClean="0"/>
+              <a:t>1 = orthodox</a:t>
+            </a:r>
+          </a:p>
+          <a:p>
+            <a:r>
+              <a:rPr lang="en-US" dirty="0" smtClean="0"/>
+              <a:t>2 = traditional</a:t>
+            </a:r>
+          </a:p>
+          <a:p>
+            <a:r>
+              <a:rPr lang="en-US" dirty="0" smtClean="0"/>
+              <a:t>3 = moderate</a:t>
+            </a:r>
+          </a:p>
+          <a:p>
+            <a:r>
+              <a:rPr lang="en-US" dirty="0" smtClean="0"/>
+              <a:t>4 = liberal</a:t>
+            </a:r>
+          </a:p>
+          <a:p>
+            <a:r>
+              <a:rPr lang="en-US" dirty="0" smtClean="0"/>
+              <a:t>5 = modern</a:t>
+            </a:r>
+          </a:p>
+          <a:p>
+            <a:r>
+              <a:rPr lang="en-US" dirty="0" smtClean="0"/>
+              <a:t>6 = international</a:t>
+            </a:r>
+          </a:p>
+          <a:p>
+            <a:r>
+              <a:rPr lang="en-US" dirty="0" smtClean="0"/>
+              <a:t>7 = others</a:t>
+            </a:r>
+          </a:p>
+        </p:txBody>
+      </p:sp>
     </p:spTree>
     <p:extLst>
       <p:ext uri="{BB962C8B-B14F-4D97-AF65-F5344CB8AC3E}">
-        <p14:creationId xmlns:p14="http://schemas.microsoft.com/office/powerpoint/2010/main" val="3918660476"/>
+        <p14:creationId xmlns:p14="http://schemas.microsoft.com/office/powerpoint/2010/main" val="1115163675"/>
       </p:ext>
     </p:extLst>
   </p:cSld>
@@ -3397,24 +3597,114 @@
         </p:blipFill>
         <p:spPr>
           <a:xfrm>
-            <a:off x="1168400" y="0"/>
-            <a:ext cx="6800466" cy="6858000"/>
+            <a:off x="312066" y="0"/>
+            <a:ext cx="6846532" cy="6858000"/>
           </a:xfrm>
           <a:prstGeom prst="rect">
             <a:avLst/>
           </a:prstGeom>
         </p:spPr>
       </p:pic>
+      <p:sp>
+        <p:nvSpPr>
+          <p:cNvPr id="3" name="TextBox 2"/>
+          <p:cNvSpPr txBox="1"/>
+          <p:nvPr/>
+        </p:nvSpPr>
+        <p:spPr>
+          <a:xfrm>
+            <a:off x="7384182" y="2446066"/>
+            <a:ext cx="1759818" cy="2862323"/>
+          </a:xfrm>
+          <a:prstGeom prst="rect">
+            <a:avLst/>
+          </a:prstGeom>
+          <a:noFill/>
+        </p:spPr>
+        <p:txBody>
+          <a:bodyPr wrap="square" rtlCol="0">
+            <a:spAutoFit/>
+          </a:bodyPr>
+          <a:lstStyle/>
+          <a:p>
+            <a:r>
+              <a:rPr lang="en-US" b="1" dirty="0" smtClean="0"/>
+              <a:t>Income </a:t>
+            </a:r>
+            <a:r>
+              <a:rPr lang="en-US" b="1" dirty="0" err="1" smtClean="0"/>
+              <a:t>vs</a:t>
+            </a:r>
+            <a:r>
+              <a:rPr lang="en-US" b="1" dirty="0" smtClean="0"/>
+              <a:t> Values</a:t>
+            </a:r>
+            <a:endParaRPr lang="en-US" dirty="0" smtClean="0"/>
+          </a:p>
+          <a:p>
+            <a:endParaRPr lang="en-US" dirty="0"/>
+          </a:p>
+          <a:p>
+            <a:r>
+              <a:rPr lang="en-US" dirty="0" smtClean="0"/>
+              <a:t>1 = orthodox</a:t>
+            </a:r>
+          </a:p>
+          <a:p>
+            <a:r>
+              <a:rPr lang="en-US" dirty="0" smtClean="0"/>
+              <a:t>2 = traditional</a:t>
+            </a:r>
+          </a:p>
+          <a:p>
+            <a:r>
+              <a:rPr lang="en-US" dirty="0" smtClean="0"/>
+              <a:t>3 = moderate</a:t>
+            </a:r>
+          </a:p>
+          <a:p>
+            <a:r>
+              <a:rPr lang="en-US" dirty="0" smtClean="0"/>
+              <a:t>4 = liberal</a:t>
+            </a:r>
+          </a:p>
+          <a:p>
+            <a:r>
+              <a:rPr lang="en-US" dirty="0" smtClean="0"/>
+              <a:t>5 = modern</a:t>
+            </a:r>
+          </a:p>
+          <a:p>
+            <a:r>
+              <a:rPr lang="en-US" dirty="0" smtClean="0"/>
+              <a:t>6 = international</a:t>
+            </a:r>
+          </a:p>
+          <a:p>
+            <a:r>
+              <a:rPr lang="en-US" dirty="0" smtClean="0"/>
+              <a:t>7 = others</a:t>
+            </a:r>
+          </a:p>
+        </p:txBody>
+      </p:sp>
     </p:spTree>
     <p:extLst>
       <p:ext uri="{BB962C8B-B14F-4D97-AF65-F5344CB8AC3E}">
-        <p14:creationId xmlns:p14="http://schemas.microsoft.com/office/powerpoint/2010/main" val="1115163675"/>
+        <p14:creationId xmlns:p14="http://schemas.microsoft.com/office/powerpoint/2010/main" val="2569924751"/>
       </p:ext>
     </p:extLst>
   </p:cSld>
   <p:clrMapOvr>
     <a:masterClrMapping/>
   </p:clrMapOvr>
+  <p:timing>
+    <p:tnLst>
+      <p:par>
+        <p:cTn xmlns:p14="http://schemas.microsoft.com/office/powerpoint/2010/main" id="1" dur="indefinite" restart="never" nodeType="tmRoot"/>
+      </p:par>
+    </p:tnLst>
+  </p:timing>
 </p:sld>
 </file>
 
@@ -3451,24 +3741,96 @@
         </p:blipFill>
         <p:spPr>
           <a:xfrm>
-            <a:off x="1143000" y="0"/>
-            <a:ext cx="6846532" cy="6858000"/>
+            <a:off x="556958" y="0"/>
+            <a:ext cx="6789191" cy="6858000"/>
           </a:xfrm>
           <a:prstGeom prst="rect">
             <a:avLst/>
           </a:prstGeom>
         </p:spPr>
       </p:pic>
+      <p:sp>
+        <p:nvSpPr>
+          <p:cNvPr id="3" name="TextBox 2"/>
+          <p:cNvSpPr txBox="1"/>
+          <p:nvPr/>
+        </p:nvSpPr>
+        <p:spPr>
+          <a:xfrm>
+            <a:off x="7384182" y="2446066"/>
+            <a:ext cx="1759818" cy="2308324"/>
+          </a:xfrm>
+          <a:prstGeom prst="rect">
+            <a:avLst/>
+          </a:prstGeom>
+          <a:noFill/>
+        </p:spPr>
+        <p:txBody>
+          <a:bodyPr wrap="square" rtlCol="0">
+            <a:spAutoFit/>
+          </a:bodyPr>
+          <a:lstStyle/>
+          <a:p>
+            <a:r>
+              <a:rPr lang="en-US" b="1" dirty="0" smtClean="0"/>
+              <a:t>Income </a:t>
+            </a:r>
+            <a:r>
+              <a:rPr lang="en-US" b="1" dirty="0" err="1" smtClean="0"/>
+              <a:t>vs</a:t>
+            </a:r>
+            <a:r>
+              <a:rPr lang="en-US" b="1" dirty="0" smtClean="0"/>
+              <a:t> Drinking</a:t>
+            </a:r>
+            <a:endParaRPr lang="en-US" dirty="0" smtClean="0"/>
+          </a:p>
+          <a:p>
+            <a:endParaRPr lang="en-US" dirty="0"/>
+          </a:p>
+          <a:p>
+            <a:r>
+              <a:rPr lang="en-US" dirty="0"/>
+              <a:t>0 = doesn’t matter</a:t>
+            </a:r>
+          </a:p>
+          <a:p>
+            <a:r>
+              <a:rPr lang="en-US" dirty="0"/>
+              <a:t>1 = no</a:t>
+            </a:r>
+          </a:p>
+          <a:p>
+            <a:r>
+              <a:rPr lang="en-US" dirty="0"/>
+              <a:t>2 = occasionally</a:t>
+            </a:r>
+          </a:p>
+          <a:p>
+            <a:r>
+              <a:rPr lang="en-US" dirty="0"/>
+              <a:t>3 = yes</a:t>
+            </a:r>
+          </a:p>
+        </p:txBody>
+      </p:sp>
     </p:spTree>
     <p:extLst>
       <p:ext uri="{BB962C8B-B14F-4D97-AF65-F5344CB8AC3E}">
-        <p14:creationId xmlns:p14="http://schemas.microsoft.com/office/powerpoint/2010/main" val="2569924751"/>
+        <p14:creationId xmlns:p14="http://schemas.microsoft.com/office/powerpoint/2010/main" val="446314626"/>
       </p:ext>
     </p:extLst>
   </p:cSld>
   <p:clrMapOvr>
     <a:masterClrMapping/>
   </p:clrMapOvr>
+  <p:timing>
+    <p:tnLst>
+      <p:par>
+        <p:cTn xmlns:p14="http://schemas.microsoft.com/office/powerpoint/2010/main" id="1" dur="indefinite" restart="never" nodeType="tmRoot"/>
+      </p:par>
+    </p:tnLst>
+  </p:timing>
 </p:sld>
 </file>
 
@@ -3505,28 +3867,263 @@
         </p:blipFill>
         <p:spPr>
           <a:xfrm>
-            <a:off x="1168400" y="0"/>
-            <a:ext cx="6789191" cy="6858000"/>
+            <a:off x="598036" y="0"/>
+            <a:ext cx="6743700" cy="6858000"/>
           </a:xfrm>
           <a:prstGeom prst="rect">
             <a:avLst/>
           </a:prstGeom>
         </p:spPr>
       </p:pic>
+      <p:sp>
+        <p:nvSpPr>
+          <p:cNvPr id="3" name="TextBox 2"/>
+          <p:cNvSpPr txBox="1"/>
+          <p:nvPr/>
+        </p:nvSpPr>
+        <p:spPr>
+          <a:xfrm>
+            <a:off x="7384182" y="2446066"/>
+            <a:ext cx="1759818" cy="2585323"/>
+          </a:xfrm>
+          <a:prstGeom prst="rect">
+            <a:avLst/>
+          </a:prstGeom>
+          <a:noFill/>
+        </p:spPr>
+        <p:txBody>
+          <a:bodyPr wrap="square" rtlCol="0">
+            <a:spAutoFit/>
+          </a:bodyPr>
+          <a:lstStyle/>
+          <a:p>
+            <a:r>
+              <a:rPr lang="en-US" b="1" dirty="0" smtClean="0"/>
+              <a:t>Income </a:t>
+            </a:r>
+            <a:r>
+              <a:rPr lang="en-US" b="1" dirty="0" err="1" smtClean="0"/>
+              <a:t>vs</a:t>
+            </a:r>
+            <a:r>
+              <a:rPr lang="en-US" b="1" dirty="0" smtClean="0"/>
+              <a:t> Body type</a:t>
+            </a:r>
+            <a:endParaRPr lang="en-US" dirty="0" smtClean="0"/>
+          </a:p>
+          <a:p>
+            <a:endParaRPr lang="en-US" dirty="0"/>
+          </a:p>
+          <a:p>
+            <a:r>
+              <a:rPr lang="en-US" dirty="0"/>
+              <a:t>0 = doesn’t matter</a:t>
+            </a:r>
+          </a:p>
+          <a:p>
+            <a:r>
+              <a:rPr lang="en-US" dirty="0"/>
+              <a:t>1 = </a:t>
+            </a:r>
+            <a:r>
+              <a:rPr lang="en-US" dirty="0" smtClean="0"/>
+              <a:t>slim</a:t>
+            </a:r>
+            <a:endParaRPr lang="en-US" dirty="0"/>
+          </a:p>
+          <a:p>
+            <a:r>
+              <a:rPr lang="en-US" dirty="0"/>
+              <a:t>2 = </a:t>
+            </a:r>
+            <a:r>
+              <a:rPr lang="en-US" dirty="0" smtClean="0"/>
+              <a:t>average</a:t>
+            </a:r>
+          </a:p>
+          <a:p>
+            <a:r>
+              <a:rPr lang="en-US" dirty="0" smtClean="0"/>
+              <a:t>3 = heavy</a:t>
+            </a:r>
+          </a:p>
+          <a:p>
+            <a:r>
+              <a:rPr lang="en-US" dirty="0" smtClean="0"/>
+              <a:t>4 = athletic</a:t>
+            </a:r>
+            <a:endParaRPr lang="en-US" dirty="0"/>
+          </a:p>
+        </p:txBody>
+      </p:sp>
     </p:spTree>
     <p:extLst>
       <p:ext uri="{BB962C8B-B14F-4D97-AF65-F5344CB8AC3E}">
-        <p14:creationId xmlns:p14="http://schemas.microsoft.com/office/powerpoint/2010/main" val="446314626"/>
+        <p14:creationId xmlns:p14="http://schemas.microsoft.com/office/powerpoint/2010/main" val="4050114055"/>
       </p:ext>
     </p:extLst>
   </p:cSld>
   <p:clrMapOvr>
     <a:masterClrMapping/>
   </p:clrMapOvr>
+  <p:timing>
+    <p:tnLst>
+      <p:par>
+        <p:cTn xmlns:p14="http://schemas.microsoft.com/office/powerpoint/2010/main" id="1" dur="indefinite" restart="never" nodeType="tmRoot"/>
+      </p:par>
+    </p:tnLst>
+  </p:timing>
 </p:sld>
 </file>
 
 <file path=ppt/slides/slide16.xml><?xml version="1.0" encoding="utf-8"?>
+<p:sld xmlns:a="http://schemas.openxmlformats.org/drawingml/2006/main" xmlns:r="http://schemas.openxmlformats.org/officeDocument/2006/relationships" xmlns:p="http://schemas.openxmlformats.org/presentationml/2006/main">
+  <p:cSld>
+    <p:spTree>
+      <p:nvGrpSpPr>
+        <p:cNvPr id="1" name=""/>
+        <p:cNvGrpSpPr/>
+        <p:nvPr/>
+      </p:nvGrpSpPr>
+      <p:grpSpPr>
+        <a:xfrm>
+          <a:off x="0" y="0"/>
+          <a:ext cx="0" cy="0"/>
+          <a:chOff x="0" y="0"/>
+          <a:chExt cx="0" cy="0"/>
+        </a:xfrm>
+      </p:grpSpPr>
+      <p:pic>
+        <p:nvPicPr>
+          <p:cNvPr id="5" name="Picture 4"/>
+          <p:cNvPicPr>
+            <a:picLocks noChangeAspect="1"/>
+          </p:cNvPicPr>
+          <p:nvPr/>
+        </p:nvPicPr>
+        <p:blipFill>
+          <a:blip r:embed="rId2"/>
+          <a:stretch>
+            <a:fillRect/>
+          </a:stretch>
+        </p:blipFill>
+        <p:spPr>
+          <a:xfrm>
+            <a:off x="595058" y="0"/>
+            <a:ext cx="6709410" cy="6858000"/>
+          </a:xfrm>
+          <a:prstGeom prst="rect">
+            <a:avLst/>
+          </a:prstGeom>
+        </p:spPr>
+      </p:pic>
+      <p:sp>
+        <p:nvSpPr>
+          <p:cNvPr id="3" name="TextBox 2"/>
+          <p:cNvSpPr txBox="1"/>
+          <p:nvPr/>
+        </p:nvSpPr>
+        <p:spPr>
+          <a:xfrm>
+            <a:off x="7384182" y="2446066"/>
+            <a:ext cx="1759818" cy="3139321"/>
+          </a:xfrm>
+          <a:prstGeom prst="rect">
+            <a:avLst/>
+          </a:prstGeom>
+          <a:noFill/>
+        </p:spPr>
+        <p:txBody>
+          <a:bodyPr wrap="square" rtlCol="0">
+            <a:spAutoFit/>
+          </a:bodyPr>
+          <a:lstStyle/>
+          <a:p>
+            <a:r>
+              <a:rPr lang="en-US" b="1" dirty="0" smtClean="0"/>
+              <a:t>Income </a:t>
+            </a:r>
+            <a:r>
+              <a:rPr lang="en-US" b="1" dirty="0" err="1" smtClean="0"/>
+              <a:t>vs</a:t>
+            </a:r>
+            <a:r>
+              <a:rPr lang="en-US" b="1" dirty="0" smtClean="0"/>
+              <a:t> Profile Created for?</a:t>
+            </a:r>
+            <a:endParaRPr lang="en-US" dirty="0" smtClean="0"/>
+          </a:p>
+          <a:p>
+            <a:endParaRPr lang="en-US" dirty="0"/>
+          </a:p>
+          <a:p>
+            <a:r>
+              <a:rPr lang="en-US" dirty="0"/>
+              <a:t>0 = </a:t>
+            </a:r>
+            <a:r>
+              <a:rPr lang="en-US" dirty="0" smtClean="0"/>
+              <a:t>self</a:t>
+            </a:r>
+            <a:endParaRPr lang="en-US" dirty="0"/>
+          </a:p>
+          <a:p>
+            <a:r>
+              <a:rPr lang="en-US" dirty="0"/>
+              <a:t>1 = </a:t>
+            </a:r>
+            <a:r>
+              <a:rPr lang="en-US" dirty="0" smtClean="0"/>
+              <a:t>son/daughter</a:t>
+            </a:r>
+            <a:endParaRPr lang="en-US" dirty="0"/>
+          </a:p>
+          <a:p>
+            <a:r>
+              <a:rPr lang="en-US" dirty="0"/>
+              <a:t>2 = </a:t>
+            </a:r>
+            <a:r>
+              <a:rPr lang="en-US" dirty="0" smtClean="0"/>
+              <a:t>sister/brother</a:t>
+            </a:r>
+          </a:p>
+          <a:p>
+            <a:r>
+              <a:rPr lang="en-US" dirty="0" smtClean="0"/>
+              <a:t>3 = relative</a:t>
+            </a:r>
+          </a:p>
+          <a:p>
+            <a:r>
+              <a:rPr lang="en-US" dirty="0" smtClean="0"/>
+              <a:t>4 = friend</a:t>
+            </a:r>
+            <a:endParaRPr lang="en-US" dirty="0"/>
+          </a:p>
+        </p:txBody>
+      </p:sp>
+    </p:spTree>
+    <p:extLst>
+      <p:ext uri="{BB962C8B-B14F-4D97-AF65-F5344CB8AC3E}">
+        <p14:creationId xmlns:p14="http://schemas.microsoft.com/office/powerpoint/2010/main" val="2679058772"/>
+      </p:ext>
+    </p:extLst>
+  </p:cSld>
+  <p:clrMapOvr>
+    <a:masterClrMapping/>
+  </p:clrMapOvr>
+  <p:timing>
+    <p:tnLst>
+      <p:par>
+        <p:cTn xmlns:p14="http://schemas.microsoft.com/office/powerpoint/2010/main" id="1" dur="indefinite" restart="never" nodeType="tmRoot"/>
+      </p:par>
+    </p:tnLst>
+  </p:timing>
+</p:sld>
+</file>
+
+<file path=ppt/slides/slide17.xml><?xml version="1.0" encoding="utf-8"?>
 <p:sld xmlns:a="http://schemas.openxmlformats.org/drawingml/2006/main" xmlns:r="http://schemas.openxmlformats.org/officeDocument/2006/relationships" xmlns:p="http://schemas.openxmlformats.org/presentationml/2006/main">
   <p:cSld>
     <p:spTree>
@@ -3559,78 +4156,145 @@
         </p:blipFill>
         <p:spPr>
           <a:xfrm>
-            <a:off x="1193800" y="0"/>
-            <a:ext cx="6743700" cy="6858000"/>
+            <a:off x="431534" y="0"/>
+            <a:ext cx="6789075" cy="6858000"/>
           </a:xfrm>
           <a:prstGeom prst="rect">
             <a:avLst/>
           </a:prstGeom>
         </p:spPr>
       </p:pic>
+      <p:sp>
+        <p:nvSpPr>
+          <p:cNvPr id="3" name="TextBox 2"/>
+          <p:cNvSpPr txBox="1"/>
+          <p:nvPr/>
+        </p:nvSpPr>
+        <p:spPr>
+          <a:xfrm>
+            <a:off x="7220609" y="1301431"/>
+            <a:ext cx="1923391" cy="4801315"/>
+          </a:xfrm>
+          <a:prstGeom prst="rect">
+            <a:avLst/>
+          </a:prstGeom>
+          <a:noFill/>
+        </p:spPr>
+        <p:txBody>
+          <a:bodyPr wrap="square" rtlCol="0">
+            <a:spAutoFit/>
+          </a:bodyPr>
+          <a:lstStyle/>
+          <a:p>
+            <a:r>
+              <a:rPr lang="en-US" b="1" dirty="0" smtClean="0"/>
+              <a:t>Income </a:t>
+            </a:r>
+            <a:r>
+              <a:rPr lang="en-US" b="1" dirty="0" err="1" smtClean="0"/>
+              <a:t>vs</a:t>
+            </a:r>
+            <a:r>
+              <a:rPr lang="en-US" b="1" dirty="0" smtClean="0"/>
+              <a:t> Mother’s occupation</a:t>
+            </a:r>
+            <a:endParaRPr lang="en-US" dirty="0" smtClean="0"/>
+          </a:p>
+          <a:p>
+            <a:endParaRPr lang="en-US" dirty="0"/>
+          </a:p>
+          <a:p>
+            <a:r>
+              <a:rPr lang="en-US" dirty="0" smtClean="0"/>
+              <a:t>1 </a:t>
+            </a:r>
+            <a:r>
+              <a:rPr lang="en-US" dirty="0"/>
+              <a:t>= </a:t>
+            </a:r>
+            <a:r>
+              <a:rPr lang="en-US" dirty="0" smtClean="0"/>
+              <a:t>armed forces</a:t>
+            </a:r>
+          </a:p>
+          <a:p>
+            <a:r>
+              <a:rPr lang="en-US" dirty="0" smtClean="0"/>
+              <a:t>2 = business/entrepreneurship</a:t>
+            </a:r>
+          </a:p>
+          <a:p>
+            <a:r>
+              <a:rPr lang="en-US" dirty="0" smtClean="0"/>
+              <a:t>3 = civil services</a:t>
+            </a:r>
+          </a:p>
+          <a:p>
+            <a:r>
+              <a:rPr lang="en-US" dirty="0" smtClean="0"/>
+              <a:t>4 = housewife</a:t>
+            </a:r>
+          </a:p>
+          <a:p>
+            <a:r>
+              <a:rPr lang="en-US" dirty="0" smtClean="0"/>
+              <a:t>5 = passed away</a:t>
+            </a:r>
+          </a:p>
+          <a:p>
+            <a:r>
+              <a:rPr lang="en-US" dirty="0" smtClean="0"/>
+              <a:t>6 = retired</a:t>
+            </a:r>
+          </a:p>
+          <a:p>
+            <a:r>
+              <a:rPr lang="en-US" dirty="0" smtClean="0"/>
+              <a:t>7 = service, </a:t>
+            </a:r>
+            <a:r>
+              <a:rPr lang="en-US" dirty="0" err="1" smtClean="0"/>
+              <a:t>govt</a:t>
+            </a:r>
+            <a:r>
+              <a:rPr lang="en-US" dirty="0" smtClean="0"/>
+              <a:t>/public sector corporation</a:t>
+            </a:r>
+          </a:p>
+          <a:p>
+            <a:r>
+              <a:rPr lang="en-US" dirty="0" smtClean="0"/>
+              <a:t>8 = service, private</a:t>
+            </a:r>
+          </a:p>
+          <a:p>
+            <a:r>
+              <a:rPr lang="en-US" dirty="0" smtClean="0"/>
+              <a:t>9 = teacher</a:t>
+            </a:r>
+          </a:p>
+          <a:p>
+            <a:endParaRPr lang="en-US" dirty="0"/>
+          </a:p>
+        </p:txBody>
+      </p:sp>
     </p:spTree>
     <p:extLst>
       <p:ext uri="{BB962C8B-B14F-4D97-AF65-F5344CB8AC3E}">
-        <p14:creationId xmlns:p14="http://schemas.microsoft.com/office/powerpoint/2010/main" val="4050114055"/>
+        <p14:creationId xmlns:p14="http://schemas.microsoft.com/office/powerpoint/2010/main" val="928983350"/>
       </p:ext>
     </p:extLst>
   </p:cSld>
   <p:clrMapOvr>
     <a:masterClrMapping/>
   </p:clrMapOvr>
-</p:sld>
-</file>
-
-<file path=ppt/slides/slide17.xml><?xml version="1.0" encoding="utf-8"?>
-<p:sld xmlns:a="http://schemas.openxmlformats.org/drawingml/2006/main" xmlns:r="http://schemas.openxmlformats.org/officeDocument/2006/relationships" xmlns:p="http://schemas.openxmlformats.org/presentationml/2006/main">
-  <p:cSld>
-    <p:spTree>
-      <p:nvGrpSpPr>
-        <p:cNvPr id="1" name=""/>
-        <p:cNvGrpSpPr/>
-        <p:nvPr/>
-      </p:nvGrpSpPr>
-      <p:grpSpPr>
-        <a:xfrm>
-          <a:off x="0" y="0"/>
-          <a:ext cx="0" cy="0"/>
-          <a:chOff x="0" y="0"/>
-          <a:chExt cx="0" cy="0"/>
-        </a:xfrm>
-      </p:grpSpPr>
-      <p:pic>
-        <p:nvPicPr>
-          <p:cNvPr id="5" name="Picture 4"/>
-          <p:cNvPicPr>
-            <a:picLocks noChangeAspect="1"/>
-          </p:cNvPicPr>
-          <p:nvPr/>
-        </p:nvPicPr>
-        <p:blipFill>
-          <a:blip r:embed="rId2"/>
-          <a:stretch>
-            <a:fillRect/>
-          </a:stretch>
-        </p:blipFill>
-        <p:spPr>
-          <a:xfrm>
-            <a:off x="1206500" y="0"/>
-            <a:ext cx="6709410" cy="6858000"/>
-          </a:xfrm>
-          <a:prstGeom prst="rect">
-            <a:avLst/>
-          </a:prstGeom>
-        </p:spPr>
-      </p:pic>
-    </p:spTree>
-    <p:extLst>
-      <p:ext uri="{BB962C8B-B14F-4D97-AF65-F5344CB8AC3E}">
-        <p14:creationId xmlns:p14="http://schemas.microsoft.com/office/powerpoint/2010/main" val="2679058772"/>
-      </p:ext>
-    </p:extLst>
-  </p:cSld>
-  <p:clrMapOvr>
-    <a:masterClrMapping/>
-  </p:clrMapOvr>
+  <p:timing>
+    <p:tnLst>
+      <p:par>
+        <p:cTn xmlns:p14="http://schemas.microsoft.com/office/powerpoint/2010/main" id="1" dur="indefinite" restart="never" nodeType="tmRoot"/>
+      </p:par>
+    </p:tnLst>
+  </p:timing>
 </p:sld>
 </file>
 
@@ -3667,24 +4331,114 @@
         </p:blipFill>
         <p:spPr>
           <a:xfrm>
-            <a:off x="1168400" y="0"/>
-            <a:ext cx="6789075" cy="6858000"/>
+            <a:off x="343422" y="0"/>
+            <a:ext cx="6858000" cy="6858000"/>
           </a:xfrm>
           <a:prstGeom prst="rect">
             <a:avLst/>
           </a:prstGeom>
         </p:spPr>
       </p:pic>
+      <p:sp>
+        <p:nvSpPr>
+          <p:cNvPr id="3" name="TextBox 2"/>
+          <p:cNvSpPr txBox="1"/>
+          <p:nvPr/>
+        </p:nvSpPr>
+        <p:spPr>
+          <a:xfrm>
+            <a:off x="7220609" y="1301431"/>
+            <a:ext cx="1923391" cy="3970318"/>
+          </a:xfrm>
+          <a:prstGeom prst="rect">
+            <a:avLst/>
+          </a:prstGeom>
+          <a:noFill/>
+        </p:spPr>
+        <p:txBody>
+          <a:bodyPr wrap="square" rtlCol="0">
+            <a:spAutoFit/>
+          </a:bodyPr>
+          <a:lstStyle/>
+          <a:p>
+            <a:r>
+              <a:rPr lang="en-US" b="1" dirty="0" smtClean="0"/>
+              <a:t>Income </a:t>
+            </a:r>
+            <a:r>
+              <a:rPr lang="en-US" b="1" dirty="0" err="1" smtClean="0"/>
+              <a:t>vs</a:t>
+            </a:r>
+            <a:r>
+              <a:rPr lang="en-US" b="1" dirty="0" smtClean="0"/>
+              <a:t> Education</a:t>
+            </a:r>
+            <a:endParaRPr lang="en-US" dirty="0" smtClean="0"/>
+          </a:p>
+          <a:p>
+            <a:endParaRPr lang="en-US" dirty="0"/>
+          </a:p>
+          <a:p>
+            <a:r>
+              <a:rPr lang="en-US" dirty="0" smtClean="0"/>
+              <a:t>0 = high school or less</a:t>
+            </a:r>
+          </a:p>
+          <a:p>
+            <a:endParaRPr lang="en-US" dirty="0"/>
+          </a:p>
+          <a:p>
+            <a:r>
+              <a:rPr lang="en-US" dirty="0" smtClean="0"/>
+              <a:t>1 = some college or diploma</a:t>
+            </a:r>
+          </a:p>
+          <a:p>
+            <a:endParaRPr lang="en-US" dirty="0"/>
+          </a:p>
+          <a:p>
+            <a:r>
+              <a:rPr lang="en-US" dirty="0" smtClean="0"/>
+              <a:t>2 = bachelors</a:t>
+            </a:r>
+          </a:p>
+          <a:p>
+            <a:endParaRPr lang="en-US" dirty="0"/>
+          </a:p>
+          <a:p>
+            <a:r>
+              <a:rPr lang="en-US" dirty="0" smtClean="0"/>
+              <a:t>3 = masters</a:t>
+            </a:r>
+          </a:p>
+          <a:p>
+            <a:endParaRPr lang="en-US" dirty="0"/>
+          </a:p>
+          <a:p>
+            <a:r>
+              <a:rPr lang="en-US" dirty="0" smtClean="0"/>
+              <a:t>4 = doctorate</a:t>
+            </a:r>
+          </a:p>
+        </p:txBody>
+      </p:sp>
     </p:spTree>
     <p:extLst>
       <p:ext uri="{BB962C8B-B14F-4D97-AF65-F5344CB8AC3E}">
-        <p14:creationId xmlns:p14="http://schemas.microsoft.com/office/powerpoint/2010/main" val="928983350"/>
+        <p14:creationId xmlns:p14="http://schemas.microsoft.com/office/powerpoint/2010/main" val="4029810687"/>
       </p:ext>
     </p:extLst>
   </p:cSld>
   <p:clrMapOvr>
     <a:masterClrMapping/>
   </p:clrMapOvr>
+  <p:timing>
+    <p:tnLst>
+      <p:par>
+        <p:cTn xmlns:p14="http://schemas.microsoft.com/office/powerpoint/2010/main" id="1" dur="indefinite" restart="never" nodeType="tmRoot"/>
+      </p:par>
+    </p:tnLst>
+  </p:timing>
 </p:sld>
 </file>
 
@@ -3721,24 +4475,69 @@
         </p:blipFill>
         <p:spPr>
           <a:xfrm>
-            <a:off x="1143000" y="0"/>
-            <a:ext cx="6858000" cy="6858000"/>
+            <a:off x="415856" y="0"/>
+            <a:ext cx="6800755" cy="6858000"/>
           </a:xfrm>
           <a:prstGeom prst="rect">
             <a:avLst/>
           </a:prstGeom>
         </p:spPr>
       </p:pic>
+      <p:sp>
+        <p:nvSpPr>
+          <p:cNvPr id="3" name="TextBox 2"/>
+          <p:cNvSpPr txBox="1"/>
+          <p:nvPr/>
+        </p:nvSpPr>
+        <p:spPr>
+          <a:xfrm>
+            <a:off x="7220609" y="1301431"/>
+            <a:ext cx="1923391" cy="646331"/>
+          </a:xfrm>
+          <a:prstGeom prst="rect">
+            <a:avLst/>
+          </a:prstGeom>
+          <a:noFill/>
+        </p:spPr>
+        <p:txBody>
+          <a:bodyPr wrap="square" rtlCol="0">
+            <a:spAutoFit/>
+          </a:bodyPr>
+          <a:lstStyle/>
+          <a:p>
+            <a:r>
+              <a:rPr lang="en-US" b="1" dirty="0" smtClean="0"/>
+              <a:t>Weight (kg) </a:t>
+            </a:r>
+            <a:r>
+              <a:rPr lang="en-US" b="1" dirty="0" err="1" smtClean="0"/>
+              <a:t>vs</a:t>
+            </a:r>
+            <a:r>
+              <a:rPr lang="en-US" b="1" dirty="0" smtClean="0"/>
+              <a:t> Height (inches)</a:t>
+            </a:r>
+            <a:endParaRPr lang="en-US" dirty="0" smtClean="0"/>
+          </a:p>
+        </p:txBody>
+      </p:sp>
     </p:spTree>
     <p:extLst>
       <p:ext uri="{BB962C8B-B14F-4D97-AF65-F5344CB8AC3E}">
-        <p14:creationId xmlns:p14="http://schemas.microsoft.com/office/powerpoint/2010/main" val="4029810687"/>
+        <p14:creationId xmlns:p14="http://schemas.microsoft.com/office/powerpoint/2010/main" val="2829605091"/>
       </p:ext>
     </p:extLst>
   </p:cSld>
   <p:clrMapOvr>
     <a:masterClrMapping/>
   </p:clrMapOvr>
+  <p:timing>
+    <p:tnLst>
+      <p:par>
+        <p:cTn xmlns:p14="http://schemas.microsoft.com/office/powerpoint/2010/main" id="1" dur="indefinite" restart="never" nodeType="tmRoot"/>
+      </p:par>
+    </p:tnLst>
+  </p:timing>
 </p:sld>
 </file>
 
@@ -3775,45 +4574,81 @@
           <a:lstStyle/>
           <a:p>
             <a:r>
+              <a:rPr lang="en-US" dirty="0" smtClean="0"/>
+              <a:t>K-Means/X-Means: Steps</a:t>
+            </a:r>
+            <a:endParaRPr lang="en-US" dirty="0"/>
+          </a:p>
+        </p:txBody>
+      </p:sp>
+      <p:sp>
+        <p:nvSpPr>
+          <p:cNvPr id="3" name="Content Placeholder 2"/>
+          <p:cNvSpPr>
+            <a:spLocks noGrp="1"/>
+          </p:cNvSpPr>
+          <p:nvPr>
+            <p:ph idx="1"/>
+          </p:nvPr>
+        </p:nvSpPr>
+        <p:spPr/>
+        <p:txBody>
+          <a:bodyPr>
+            <a:normAutofit lnSpcReduction="10000"/>
+          </a:bodyPr>
+          <a:lstStyle/>
+          <a:p>
+            <a:r>
+              <a:rPr lang="en-US" dirty="0" smtClean="0"/>
+              <a:t>Take random subset of data (in this case, 5865 records)</a:t>
+            </a:r>
+          </a:p>
+          <a:p>
+            <a:r>
+              <a:rPr lang="en-US" dirty="0" smtClean="0"/>
+              <a:t>Attempt with </a:t>
+            </a:r>
+            <a:r>
               <a:rPr lang="en-US" dirty="0" err="1" smtClean="0"/>
-              <a:t>DBScan</a:t>
-            </a:r>
-            <a:endParaRPr lang="en-US" dirty="0"/>
-          </a:p>
-        </p:txBody>
-      </p:sp>
-      <p:sp>
-        <p:nvSpPr>
-          <p:cNvPr id="3" name="Content Placeholder 2"/>
-          <p:cNvSpPr>
-            <a:spLocks noGrp="1"/>
-          </p:cNvSpPr>
-          <p:nvPr>
-            <p:ph idx="1"/>
-          </p:nvPr>
-        </p:nvSpPr>
-        <p:spPr/>
-        <p:txBody>
-          <a:bodyPr/>
-          <a:lstStyle/>
-          <a:p>
-            <a:r>
-              <a:rPr lang="en-US" dirty="0" smtClean="0"/>
-              <a:t>Always produces just 1 cluster, even after attempting different epsilon and </a:t>
-            </a:r>
-            <a:r>
-              <a:rPr lang="en-US" dirty="0" err="1" smtClean="0"/>
-              <a:t>min_cluster_size</a:t>
-            </a:r>
-            <a:r>
-              <a:rPr lang="en-US" dirty="0" smtClean="0"/>
-              <a:t> values</a:t>
-            </a:r>
-          </a:p>
-          <a:p>
-            <a:r>
-              <a:rPr lang="en-US" dirty="0" smtClean="0"/>
-              <a:t>Hypothesis: data has no obvious clusters which are separated by a spaces/gaps, need a clustering mechanism that considers variables which are continuous</a:t>
+              <a:t>Xmeans</a:t>
+            </a:r>
+            <a:r>
+              <a:rPr lang="en-US" dirty="0" smtClean="0"/>
+              <a:t> which determines k that gives highest accuracy (in this case, k=4)</a:t>
+            </a:r>
+          </a:p>
+          <a:p>
+            <a:r>
+              <a:rPr lang="en-US" dirty="0" smtClean="0"/>
+              <a:t>Four clusters:</a:t>
+            </a:r>
+          </a:p>
+          <a:p>
+            <a:pPr lvl="1"/>
+            <a:r>
+              <a:rPr lang="en-US" dirty="0" smtClean="0"/>
+              <a:t>Cluster 0: 144 items</a:t>
+            </a:r>
+          </a:p>
+          <a:p>
+            <a:pPr lvl="1"/>
+            <a:r>
+              <a:rPr lang="en-US" dirty="0" smtClean="0"/>
+              <a:t>Cluster 1: 2202 items</a:t>
+            </a:r>
+          </a:p>
+          <a:p>
+            <a:pPr lvl="1"/>
+            <a:r>
+              <a:rPr lang="en-US" dirty="0" smtClean="0"/>
+              <a:t>Cluster 2: 1714 items</a:t>
+            </a:r>
+          </a:p>
+          <a:p>
+            <a:pPr lvl="1"/>
+            <a:r>
+              <a:rPr lang="en-US" dirty="0" smtClean="0"/>
+              <a:t>Cluster 3: 1805 items</a:t>
             </a:r>
           </a:p>
           <a:p>
@@ -3824,67 +4659,20 @@
     </p:spTree>
     <p:extLst>
       <p:ext uri="{BB962C8B-B14F-4D97-AF65-F5344CB8AC3E}">
-        <p14:creationId xmlns:p14="http://schemas.microsoft.com/office/powerpoint/2010/main" val="1392441226"/>
+        <p14:creationId xmlns:p14="http://schemas.microsoft.com/office/powerpoint/2010/main" val="1540451055"/>
       </p:ext>
     </p:extLst>
   </p:cSld>
   <p:clrMapOvr>
     <a:masterClrMapping/>
   </p:clrMapOvr>
-</p:sld>
-</file>
-
-<file path=ppt/slides/slide20.xml><?xml version="1.0" encoding="utf-8"?>
-<p:sld xmlns:a="http://schemas.openxmlformats.org/drawingml/2006/main" xmlns:r="http://schemas.openxmlformats.org/officeDocument/2006/relationships" xmlns:p="http://schemas.openxmlformats.org/presentationml/2006/main">
-  <p:cSld>
-    <p:spTree>
-      <p:nvGrpSpPr>
-        <p:cNvPr id="1" name=""/>
-        <p:cNvGrpSpPr/>
-        <p:nvPr/>
-      </p:nvGrpSpPr>
-      <p:grpSpPr>
-        <a:xfrm>
-          <a:off x="0" y="0"/>
-          <a:ext cx="0" cy="0"/>
-          <a:chOff x="0" y="0"/>
-          <a:chExt cx="0" cy="0"/>
-        </a:xfrm>
-      </p:grpSpPr>
-      <p:pic>
-        <p:nvPicPr>
-          <p:cNvPr id="4" name="Picture 3"/>
-          <p:cNvPicPr>
-            <a:picLocks noChangeAspect="1"/>
-          </p:cNvPicPr>
-          <p:nvPr/>
-        </p:nvPicPr>
-        <p:blipFill>
-          <a:blip r:embed="rId2"/>
-          <a:stretch>
-            <a:fillRect/>
-          </a:stretch>
-        </p:blipFill>
-        <p:spPr>
-          <a:xfrm>
-            <a:off x="1168400" y="0"/>
-            <a:ext cx="6800755" cy="6858000"/>
-          </a:xfrm>
-          <a:prstGeom prst="rect">
-            <a:avLst/>
-          </a:prstGeom>
-        </p:spPr>
-      </p:pic>
-    </p:spTree>
-    <p:extLst>
-      <p:ext uri="{BB962C8B-B14F-4D97-AF65-F5344CB8AC3E}">
-        <p14:creationId xmlns:p14="http://schemas.microsoft.com/office/powerpoint/2010/main" val="2829605091"/>
-      </p:ext>
-    </p:extLst>
-  </p:cSld>
-  <p:clrMapOvr>
-    <a:masterClrMapping/>
-  </p:clrMapOvr>
+  <p:timing>
+    <p:tnLst>
+      <p:par>
+        <p:cTn xmlns:p14="http://schemas.microsoft.com/office/powerpoint/2010/main" id="1" dur="indefinite" restart="never" nodeType="tmRoot"/>
+      </p:par>
+    </p:tnLst>
+  </p:timing>
 </p:sld>
 </file>
 
@@ -3905,108 +4693,833 @@
           <a:chExt cx="0" cy="0"/>
         </a:xfrm>
       </p:grpSpPr>
-      <p:sp>
-        <p:nvSpPr>
-          <p:cNvPr id="2" name="Title 1"/>
-          <p:cNvSpPr>
-            <a:spLocks noGrp="1"/>
-          </p:cNvSpPr>
-          <p:nvPr>
-            <p:ph type="title"/>
-          </p:nvPr>
-        </p:nvSpPr>
-        <p:spPr/>
-        <p:txBody>
-          <a:bodyPr/>
-          <a:lstStyle/>
-          <a:p>
-            <a:r>
-              <a:rPr lang="en-US" dirty="0" smtClean="0"/>
-              <a:t>K-Means/X-Means: Steps</a:t>
-            </a:r>
-            <a:endParaRPr lang="en-US" dirty="0"/>
-          </a:p>
-        </p:txBody>
-      </p:sp>
-      <p:sp>
-        <p:nvSpPr>
-          <p:cNvPr id="3" name="Content Placeholder 2"/>
-          <p:cNvSpPr>
-            <a:spLocks noGrp="1"/>
-          </p:cNvSpPr>
-          <p:nvPr>
-            <p:ph idx="1"/>
-          </p:nvPr>
-        </p:nvSpPr>
-        <p:spPr/>
-        <p:txBody>
-          <a:bodyPr>
-            <a:normAutofit lnSpcReduction="10000"/>
+      <p:pic>
+        <p:nvPicPr>
+          <p:cNvPr id="5" name="Picture 4"/>
+          <p:cNvPicPr>
+            <a:picLocks noChangeAspect="1"/>
+          </p:cNvPicPr>
+          <p:nvPr/>
+        </p:nvPicPr>
+        <p:blipFill>
+          <a:blip r:embed="rId2"/>
+          <a:stretch>
+            <a:fillRect/>
+          </a:stretch>
+        </p:blipFill>
+        <p:spPr>
+          <a:xfrm>
+            <a:off x="1937318" y="0"/>
+            <a:ext cx="4665389" cy="6858000"/>
+          </a:xfrm>
+          <a:prstGeom prst="rect">
+            <a:avLst/>
+          </a:prstGeom>
+        </p:spPr>
+      </p:pic>
+      <p:sp>
+        <p:nvSpPr>
+          <p:cNvPr id="6" name="TextBox 5"/>
+          <p:cNvSpPr txBox="1"/>
+          <p:nvPr/>
+        </p:nvSpPr>
+        <p:spPr>
+          <a:xfrm>
+            <a:off x="31352" y="2743987"/>
+            <a:ext cx="1818610" cy="1200329"/>
+          </a:xfrm>
+          <a:prstGeom prst="rect">
+            <a:avLst/>
+          </a:prstGeom>
+          <a:noFill/>
+        </p:spPr>
+        <p:txBody>
+          <a:bodyPr wrap="square" rtlCol="0">
+            <a:spAutoFit/>
           </a:bodyPr>
           <a:lstStyle/>
           <a:p>
-            <a:r>
-              <a:rPr lang="en-US" dirty="0" smtClean="0"/>
-              <a:t>Take random subset of data (in this case, 5865 records)</a:t>
-            </a:r>
-          </a:p>
-          <a:p>
-            <a:r>
-              <a:rPr lang="en-US" dirty="0" smtClean="0"/>
-              <a:t>Attempt with </a:t>
-            </a:r>
-            <a:r>
-              <a:rPr lang="en-US" dirty="0" err="1" smtClean="0"/>
-              <a:t>Xmeans</a:t>
-            </a:r>
-            <a:r>
-              <a:rPr lang="en-US" dirty="0" smtClean="0"/>
-              <a:t> which determines k that gives highest accuracy (in this case, k=4)</a:t>
-            </a:r>
-          </a:p>
-          <a:p>
-            <a:r>
-              <a:rPr lang="en-US" dirty="0" smtClean="0"/>
-              <a:t>Four clusters:</a:t>
-            </a:r>
-          </a:p>
-          <a:p>
-            <a:pPr lvl="1"/>
-            <a:r>
-              <a:rPr lang="en-US" dirty="0" smtClean="0"/>
-              <a:t>Cluster 0: 144 items</a:t>
-            </a:r>
-          </a:p>
-          <a:p>
-            <a:pPr lvl="1"/>
-            <a:r>
-              <a:rPr lang="en-US" dirty="0" smtClean="0"/>
-              <a:t>Cluster 1: 2202 items</a:t>
-            </a:r>
-          </a:p>
-          <a:p>
-            <a:pPr lvl="1"/>
-            <a:r>
-              <a:rPr lang="en-US" dirty="0" smtClean="0"/>
-              <a:t>Cluster 2: 1714 items</a:t>
-            </a:r>
-          </a:p>
-          <a:p>
-            <a:pPr lvl="1"/>
-            <a:r>
-              <a:rPr lang="en-US" dirty="0" smtClean="0"/>
-              <a:t>Cluster 3: 1805 items</a:t>
-            </a:r>
-          </a:p>
-          <a:p>
-            <a:endParaRPr lang="en-US" dirty="0"/>
+            <a:pPr algn="ctr"/>
+            <a:r>
+              <a:rPr lang="en-US" sz="3600" dirty="0" smtClean="0"/>
+              <a:t>Centroid table</a:t>
+            </a:r>
+            <a:endParaRPr lang="en-US" sz="3600" dirty="0"/>
+          </a:p>
+        </p:txBody>
+      </p:sp>
+      <p:sp>
+        <p:nvSpPr>
+          <p:cNvPr id="7" name="Rounded Rectangle 6"/>
+          <p:cNvSpPr/>
+          <p:nvPr/>
+        </p:nvSpPr>
+        <p:spPr>
+          <a:xfrm>
+            <a:off x="2837654" y="250878"/>
+            <a:ext cx="3621541" cy="1175994"/>
+          </a:xfrm>
+          <a:prstGeom prst="roundRect">
+            <a:avLst/>
+          </a:prstGeom>
+          <a:noFill/>
+          <a:ln>
+            <a:solidFill>
+              <a:srgbClr val="FF0000"/>
+            </a:solidFill>
+          </a:ln>
+        </p:spPr>
+        <p:style>
+          <a:lnRef idx="1">
+            <a:schemeClr val="accent1"/>
+          </a:lnRef>
+          <a:fillRef idx="3">
+            <a:schemeClr val="accent1"/>
+          </a:fillRef>
+          <a:effectRef idx="2">
+            <a:schemeClr val="accent1"/>
+          </a:effectRef>
+          <a:fontRef idx="minor">
+            <a:schemeClr val="lt1"/>
+          </a:fontRef>
+        </p:style>
+        <p:txBody>
+          <a:bodyPr rtlCol="0" anchor="ctr"/>
+          <a:lstStyle/>
+          <a:p>
+            <a:pPr algn="ctr"/>
+            <a:endParaRPr lang="en-US"/>
+          </a:p>
+        </p:txBody>
+      </p:sp>
+      <p:sp>
+        <p:nvSpPr>
+          <p:cNvPr id="8" name="Rounded Rectangle 7"/>
+          <p:cNvSpPr/>
+          <p:nvPr/>
+        </p:nvSpPr>
+        <p:spPr>
+          <a:xfrm>
+            <a:off x="2837654" y="1485193"/>
+            <a:ext cx="3621541" cy="239597"/>
+          </a:xfrm>
+          <a:prstGeom prst="roundRect">
+            <a:avLst/>
+          </a:prstGeom>
+          <a:noFill/>
+          <a:ln>
+            <a:solidFill>
+              <a:srgbClr val="008000"/>
+            </a:solidFill>
+          </a:ln>
+        </p:spPr>
+        <p:style>
+          <a:lnRef idx="1">
+            <a:schemeClr val="accent1"/>
+          </a:lnRef>
+          <a:fillRef idx="3">
+            <a:schemeClr val="accent1"/>
+          </a:fillRef>
+          <a:effectRef idx="2">
+            <a:schemeClr val="accent1"/>
+          </a:effectRef>
+          <a:fontRef idx="minor">
+            <a:schemeClr val="lt1"/>
+          </a:fontRef>
+        </p:style>
+        <p:txBody>
+          <a:bodyPr rtlCol="0" anchor="ctr"/>
+          <a:lstStyle/>
+          <a:p>
+            <a:pPr algn="ctr"/>
+            <a:endParaRPr lang="en-US"/>
+          </a:p>
+        </p:txBody>
+      </p:sp>
+      <p:sp>
+        <p:nvSpPr>
+          <p:cNvPr id="9" name="TextBox 8"/>
+          <p:cNvSpPr txBox="1"/>
+          <p:nvPr/>
+        </p:nvSpPr>
+        <p:spPr>
+          <a:xfrm>
+            <a:off x="6602707" y="38383"/>
+            <a:ext cx="2541293" cy="7063473"/>
+          </a:xfrm>
+          <a:prstGeom prst="rect">
+            <a:avLst/>
+          </a:prstGeom>
+          <a:noFill/>
+        </p:spPr>
+        <p:txBody>
+          <a:bodyPr wrap="square" rtlCol="0">
+            <a:spAutoFit/>
+          </a:bodyPr>
+          <a:lstStyle/>
+          <a:p>
+            <a:pPr algn="ctr"/>
+            <a:r>
+              <a:rPr lang="en-US" sz="1900" dirty="0" smtClean="0"/>
+              <a:t>Going from cluster 3 to cluster 0:</a:t>
+            </a:r>
+            <a:endParaRPr lang="en-US" sz="1900" dirty="0">
+              <a:solidFill>
+                <a:srgbClr val="FF0000"/>
+              </a:solidFill>
+            </a:endParaRPr>
+          </a:p>
+          <a:p>
+            <a:pPr algn="ctr"/>
+            <a:r>
+              <a:rPr lang="en-US" dirty="0" smtClean="0">
+                <a:solidFill>
+                  <a:srgbClr val="FF0000"/>
+                </a:solidFill>
+              </a:rPr>
+              <a:t>Red attributes show a clear increase</a:t>
+            </a:r>
+          </a:p>
+          <a:p>
+            <a:pPr algn="ctr"/>
+            <a:r>
+              <a:rPr lang="en-US" dirty="0" smtClean="0">
+                <a:solidFill>
+                  <a:srgbClr val="008000"/>
+                </a:solidFill>
+              </a:rPr>
+              <a:t>Green attributes (desired partner’s weight, importance of caste, # of brothers/sisters) decrease</a:t>
+            </a:r>
+          </a:p>
+          <a:p>
+            <a:pPr algn="ctr"/>
+            <a:r>
+              <a:rPr lang="en-US" dirty="0" smtClean="0">
+                <a:solidFill>
+                  <a:srgbClr val="3366FF"/>
+                </a:solidFill>
+              </a:rPr>
+              <a:t>Marital status: more divorced/separated/widowed/</a:t>
+            </a:r>
+            <a:r>
+              <a:rPr lang="en-US" dirty="0" smtClean="0">
+                <a:solidFill>
+                  <a:srgbClr val="3366FF"/>
+                </a:solidFill>
+              </a:rPr>
+              <a:t>annulled</a:t>
+            </a:r>
+          </a:p>
+          <a:p>
+            <a:pPr algn="ctr"/>
+            <a:r>
+              <a:rPr lang="en-US" dirty="0" smtClean="0">
+                <a:solidFill>
+                  <a:srgbClr val="3366FF"/>
+                </a:solidFill>
+              </a:rPr>
+              <a:t>Horoscope: most imp for cluster 0 and 3</a:t>
+            </a:r>
+            <a:endParaRPr lang="en-US" dirty="0">
+              <a:solidFill>
+                <a:srgbClr val="3366FF"/>
+              </a:solidFill>
+            </a:endParaRPr>
+          </a:p>
+          <a:p>
+            <a:pPr algn="ctr"/>
+            <a:r>
+              <a:rPr lang="en-US" dirty="0" smtClean="0">
+                <a:solidFill>
+                  <a:srgbClr val="3366FF"/>
+                </a:solidFill>
+              </a:rPr>
+              <a:t> </a:t>
+            </a:r>
+            <a:r>
+              <a:rPr lang="en-US" dirty="0" smtClean="0">
+                <a:solidFill>
+                  <a:srgbClr val="FF0000"/>
+                </a:solidFill>
+              </a:rPr>
+              <a:t>Values: becomes more liberal. Complexion: becomes fairer. Body type: becomes more athletic, less slim</a:t>
+            </a:r>
+          </a:p>
+          <a:p>
+            <a:pPr algn="ctr"/>
+            <a:r>
+              <a:rPr lang="en-US" dirty="0" smtClean="0">
+                <a:solidFill>
+                  <a:srgbClr val="FF0000"/>
+                </a:solidFill>
+              </a:rPr>
+              <a:t>Caste: less important</a:t>
+            </a:r>
+          </a:p>
+          <a:p>
+            <a:pPr algn="ctr"/>
+            <a:r>
+              <a:rPr lang="en-US" dirty="0" smtClean="0">
+                <a:solidFill>
+                  <a:srgbClr val="FF0000"/>
+                </a:solidFill>
+              </a:rPr>
+              <a:t>Created for: more-often by self</a:t>
+            </a:r>
+          </a:p>
+          <a:p>
+            <a:pPr algn="ctr"/>
+            <a:r>
+              <a:rPr lang="en-US" dirty="0" smtClean="0">
+                <a:solidFill>
+                  <a:srgbClr val="FF0000"/>
+                </a:solidFill>
+              </a:rPr>
+              <a:t>Living situation: Living by self, not with parents</a:t>
+            </a:r>
+          </a:p>
+          <a:p>
+            <a:pPr algn="ctr"/>
+            <a:endParaRPr lang="en-US" sz="1900" dirty="0">
+              <a:solidFill>
+                <a:srgbClr val="FF0000"/>
+              </a:solidFill>
+            </a:endParaRPr>
+          </a:p>
+        </p:txBody>
+      </p:sp>
+      <p:sp>
+        <p:nvSpPr>
+          <p:cNvPr id="11" name="Rounded Rectangle 10"/>
+          <p:cNvSpPr/>
+          <p:nvPr/>
+        </p:nvSpPr>
+        <p:spPr>
+          <a:xfrm>
+            <a:off x="2848951" y="1971227"/>
+            <a:ext cx="3621541" cy="427799"/>
+          </a:xfrm>
+          <a:prstGeom prst="roundRect">
+            <a:avLst/>
+          </a:prstGeom>
+          <a:noFill/>
+          <a:ln>
+            <a:solidFill>
+              <a:srgbClr val="FF0000"/>
+            </a:solidFill>
+          </a:ln>
+        </p:spPr>
+        <p:style>
+          <a:lnRef idx="1">
+            <a:schemeClr val="accent1"/>
+          </a:lnRef>
+          <a:fillRef idx="3">
+            <a:schemeClr val="accent1"/>
+          </a:fillRef>
+          <a:effectRef idx="2">
+            <a:schemeClr val="accent1"/>
+          </a:effectRef>
+          <a:fontRef idx="minor">
+            <a:schemeClr val="lt1"/>
+          </a:fontRef>
+        </p:style>
+        <p:txBody>
+          <a:bodyPr rtlCol="0" anchor="ctr"/>
+          <a:lstStyle/>
+          <a:p>
+            <a:pPr algn="ctr"/>
+            <a:endParaRPr lang="en-US"/>
+          </a:p>
+        </p:txBody>
+      </p:sp>
+      <p:sp>
+        <p:nvSpPr>
+          <p:cNvPr id="12" name="Rounded Rectangle 11"/>
+          <p:cNvSpPr/>
+          <p:nvPr/>
+        </p:nvSpPr>
+        <p:spPr>
+          <a:xfrm>
+            <a:off x="2864629" y="2430386"/>
+            <a:ext cx="741235" cy="235199"/>
+          </a:xfrm>
+          <a:prstGeom prst="roundRect">
+            <a:avLst/>
+          </a:prstGeom>
+          <a:noFill/>
+          <a:ln>
+            <a:solidFill>
+              <a:srgbClr val="3366FF"/>
+            </a:solidFill>
+          </a:ln>
+        </p:spPr>
+        <p:style>
+          <a:lnRef idx="1">
+            <a:schemeClr val="accent1"/>
+          </a:lnRef>
+          <a:fillRef idx="3">
+            <a:schemeClr val="accent1"/>
+          </a:fillRef>
+          <a:effectRef idx="2">
+            <a:schemeClr val="accent1"/>
+          </a:effectRef>
+          <a:fontRef idx="minor">
+            <a:schemeClr val="lt1"/>
+          </a:fontRef>
+        </p:style>
+        <p:txBody>
+          <a:bodyPr rtlCol="0" anchor="ctr"/>
+          <a:lstStyle/>
+          <a:p>
+            <a:pPr algn="ctr"/>
+            <a:endParaRPr lang="en-US"/>
+          </a:p>
+        </p:txBody>
+      </p:sp>
+      <p:sp>
+        <p:nvSpPr>
+          <p:cNvPr id="13" name="Rounded Rectangle 12"/>
+          <p:cNvSpPr/>
+          <p:nvPr/>
+        </p:nvSpPr>
+        <p:spPr>
+          <a:xfrm>
+            <a:off x="2837654" y="6571322"/>
+            <a:ext cx="3621541" cy="249440"/>
+          </a:xfrm>
+          <a:prstGeom prst="roundRect">
+            <a:avLst/>
+          </a:prstGeom>
+          <a:noFill/>
+          <a:ln>
+            <a:solidFill>
+              <a:srgbClr val="FF0000"/>
+            </a:solidFill>
+          </a:ln>
+        </p:spPr>
+        <p:style>
+          <a:lnRef idx="1">
+            <a:schemeClr val="accent1"/>
+          </a:lnRef>
+          <a:fillRef idx="3">
+            <a:schemeClr val="accent1"/>
+          </a:fillRef>
+          <a:effectRef idx="2">
+            <a:schemeClr val="accent1"/>
+          </a:effectRef>
+          <a:fontRef idx="minor">
+            <a:schemeClr val="lt1"/>
+          </a:fontRef>
+        </p:style>
+        <p:txBody>
+          <a:bodyPr rtlCol="0" anchor="ctr"/>
+          <a:lstStyle/>
+          <a:p>
+            <a:pPr algn="ctr"/>
+            <a:endParaRPr lang="en-US"/>
+          </a:p>
+        </p:txBody>
+      </p:sp>
+      <p:sp>
+        <p:nvSpPr>
+          <p:cNvPr id="14" name="Rounded Rectangle 13"/>
+          <p:cNvSpPr/>
+          <p:nvPr/>
+        </p:nvSpPr>
+        <p:spPr>
+          <a:xfrm>
+            <a:off x="2864629" y="3944316"/>
+            <a:ext cx="3621541" cy="696938"/>
+          </a:xfrm>
+          <a:prstGeom prst="roundRect">
+            <a:avLst/>
+          </a:prstGeom>
+          <a:noFill/>
+          <a:ln>
+            <a:solidFill>
+              <a:srgbClr val="FF0000"/>
+            </a:solidFill>
+          </a:ln>
+        </p:spPr>
+        <p:style>
+          <a:lnRef idx="1">
+            <a:schemeClr val="accent1"/>
+          </a:lnRef>
+          <a:fillRef idx="3">
+            <a:schemeClr val="accent1"/>
+          </a:fillRef>
+          <a:effectRef idx="2">
+            <a:schemeClr val="accent1"/>
+          </a:effectRef>
+          <a:fontRef idx="minor">
+            <a:schemeClr val="lt1"/>
+          </a:fontRef>
+        </p:style>
+        <p:txBody>
+          <a:bodyPr rtlCol="0" anchor="ctr"/>
+          <a:lstStyle/>
+          <a:p>
+            <a:pPr algn="ctr"/>
+            <a:endParaRPr lang="en-US"/>
+          </a:p>
+        </p:txBody>
+      </p:sp>
+      <p:sp>
+        <p:nvSpPr>
+          <p:cNvPr id="15" name="Rounded Rectangle 14"/>
+          <p:cNvSpPr/>
+          <p:nvPr/>
+        </p:nvSpPr>
+        <p:spPr>
+          <a:xfrm>
+            <a:off x="2848952" y="5613407"/>
+            <a:ext cx="3621541" cy="481675"/>
+          </a:xfrm>
+          <a:prstGeom prst="roundRect">
+            <a:avLst/>
+          </a:prstGeom>
+          <a:noFill/>
+          <a:ln>
+            <a:solidFill>
+              <a:srgbClr val="FF0000"/>
+            </a:solidFill>
+          </a:ln>
+        </p:spPr>
+        <p:style>
+          <a:lnRef idx="1">
+            <a:schemeClr val="accent1"/>
+          </a:lnRef>
+          <a:fillRef idx="3">
+            <a:schemeClr val="accent1"/>
+          </a:fillRef>
+          <a:effectRef idx="2">
+            <a:schemeClr val="accent1"/>
+          </a:effectRef>
+          <a:fontRef idx="minor">
+            <a:schemeClr val="lt1"/>
+          </a:fontRef>
+        </p:style>
+        <p:txBody>
+          <a:bodyPr rtlCol="0" anchor="ctr"/>
+          <a:lstStyle/>
+          <a:p>
+            <a:pPr algn="ctr"/>
+            <a:endParaRPr lang="en-US"/>
+          </a:p>
+        </p:txBody>
+      </p:sp>
+      <p:sp>
+        <p:nvSpPr>
+          <p:cNvPr id="16" name="Rounded Rectangle 15"/>
+          <p:cNvSpPr/>
+          <p:nvPr/>
+        </p:nvSpPr>
+        <p:spPr>
+          <a:xfrm>
+            <a:off x="2848952" y="6122043"/>
+            <a:ext cx="3621541" cy="449279"/>
+          </a:xfrm>
+          <a:prstGeom prst="roundRect">
+            <a:avLst/>
+          </a:prstGeom>
+          <a:noFill/>
+          <a:ln>
+            <a:solidFill>
+              <a:srgbClr val="008000"/>
+            </a:solidFill>
+          </a:ln>
+        </p:spPr>
+        <p:style>
+          <a:lnRef idx="1">
+            <a:schemeClr val="accent1"/>
+          </a:lnRef>
+          <a:fillRef idx="3">
+            <a:schemeClr val="accent1"/>
+          </a:fillRef>
+          <a:effectRef idx="2">
+            <a:schemeClr val="accent1"/>
+          </a:effectRef>
+          <a:fontRef idx="minor">
+            <a:schemeClr val="lt1"/>
+          </a:fontRef>
+        </p:style>
+        <p:txBody>
+          <a:bodyPr rtlCol="0" anchor="ctr"/>
+          <a:lstStyle/>
+          <a:p>
+            <a:pPr algn="ctr"/>
+            <a:endParaRPr lang="en-US"/>
+          </a:p>
+        </p:txBody>
+      </p:sp>
+      <p:sp>
+        <p:nvSpPr>
+          <p:cNvPr id="17" name="Rounded Rectangle 16"/>
+          <p:cNvSpPr/>
+          <p:nvPr/>
+        </p:nvSpPr>
+        <p:spPr>
+          <a:xfrm>
+            <a:off x="2837654" y="4898971"/>
+            <a:ext cx="3621541" cy="471461"/>
+          </a:xfrm>
+          <a:prstGeom prst="roundRect">
+            <a:avLst/>
+          </a:prstGeom>
+          <a:noFill/>
+          <a:ln>
+            <a:solidFill>
+              <a:srgbClr val="FF0000"/>
+            </a:solidFill>
+          </a:ln>
+        </p:spPr>
+        <p:style>
+          <a:lnRef idx="1">
+            <a:schemeClr val="accent1"/>
+          </a:lnRef>
+          <a:fillRef idx="3">
+            <a:schemeClr val="accent1"/>
+          </a:fillRef>
+          <a:effectRef idx="2">
+            <a:schemeClr val="accent1"/>
+          </a:effectRef>
+          <a:fontRef idx="minor">
+            <a:schemeClr val="lt1"/>
+          </a:fontRef>
+        </p:style>
+        <p:txBody>
+          <a:bodyPr rtlCol="0" anchor="ctr"/>
+          <a:lstStyle/>
+          <a:p>
+            <a:pPr algn="ctr"/>
+            <a:endParaRPr lang="en-US"/>
+          </a:p>
+        </p:txBody>
+      </p:sp>
+      <p:sp>
+        <p:nvSpPr>
+          <p:cNvPr id="18" name="Rounded Rectangle 17"/>
+          <p:cNvSpPr/>
+          <p:nvPr/>
+        </p:nvSpPr>
+        <p:spPr>
+          <a:xfrm>
+            <a:off x="2848951" y="4641254"/>
+            <a:ext cx="3621541" cy="257717"/>
+          </a:xfrm>
+          <a:prstGeom prst="roundRect">
+            <a:avLst/>
+          </a:prstGeom>
+          <a:noFill/>
+          <a:ln>
+            <a:solidFill>
+              <a:srgbClr val="008000"/>
+            </a:solidFill>
+          </a:ln>
+        </p:spPr>
+        <p:style>
+          <a:lnRef idx="1">
+            <a:schemeClr val="accent1"/>
+          </a:lnRef>
+          <a:fillRef idx="3">
+            <a:schemeClr val="accent1"/>
+          </a:fillRef>
+          <a:effectRef idx="2">
+            <a:schemeClr val="accent1"/>
+          </a:effectRef>
+          <a:fontRef idx="minor">
+            <a:schemeClr val="lt1"/>
+          </a:fontRef>
+        </p:style>
+        <p:txBody>
+          <a:bodyPr rtlCol="0" anchor="ctr"/>
+          <a:lstStyle/>
+          <a:p>
+            <a:pPr algn="ctr"/>
+            <a:endParaRPr lang="en-US"/>
+          </a:p>
+        </p:txBody>
+      </p:sp>
+      <p:sp>
+        <p:nvSpPr>
+          <p:cNvPr id="21" name="Rounded Rectangle 20"/>
+          <p:cNvSpPr/>
+          <p:nvPr/>
+        </p:nvSpPr>
+        <p:spPr>
+          <a:xfrm>
+            <a:off x="2837654" y="2676866"/>
+            <a:ext cx="3621541" cy="239597"/>
+          </a:xfrm>
+          <a:prstGeom prst="roundRect">
+            <a:avLst/>
+          </a:prstGeom>
+          <a:noFill/>
+          <a:ln>
+            <a:solidFill>
+              <a:srgbClr val="008000"/>
+            </a:solidFill>
+          </a:ln>
+        </p:spPr>
+        <p:style>
+          <a:lnRef idx="1">
+            <a:schemeClr val="accent1"/>
+          </a:lnRef>
+          <a:fillRef idx="3">
+            <a:schemeClr val="accent1"/>
+          </a:fillRef>
+          <a:effectRef idx="2">
+            <a:schemeClr val="accent1"/>
+          </a:effectRef>
+          <a:fontRef idx="minor">
+            <a:schemeClr val="lt1"/>
+          </a:fontRef>
+        </p:style>
+        <p:txBody>
+          <a:bodyPr rtlCol="0" anchor="ctr"/>
+          <a:lstStyle/>
+          <a:p>
+            <a:pPr algn="ctr"/>
+            <a:endParaRPr lang="en-US"/>
+          </a:p>
+        </p:txBody>
+      </p:sp>
+      <p:sp>
+        <p:nvSpPr>
+          <p:cNvPr id="22" name="Rounded Rectangle 21"/>
+          <p:cNvSpPr/>
+          <p:nvPr/>
+        </p:nvSpPr>
+        <p:spPr>
+          <a:xfrm>
+            <a:off x="2864629" y="3440740"/>
+            <a:ext cx="3621541" cy="228359"/>
+          </a:xfrm>
+          <a:prstGeom prst="roundRect">
+            <a:avLst/>
+          </a:prstGeom>
+          <a:noFill/>
+          <a:ln>
+            <a:solidFill>
+              <a:srgbClr val="FF0000"/>
+            </a:solidFill>
+          </a:ln>
+        </p:spPr>
+        <p:style>
+          <a:lnRef idx="1">
+            <a:schemeClr val="accent1"/>
+          </a:lnRef>
+          <a:fillRef idx="3">
+            <a:schemeClr val="accent1"/>
+          </a:fillRef>
+          <a:effectRef idx="2">
+            <a:schemeClr val="accent1"/>
+          </a:effectRef>
+          <a:fontRef idx="minor">
+            <a:schemeClr val="lt1"/>
+          </a:fontRef>
+        </p:style>
+        <p:txBody>
+          <a:bodyPr rtlCol="0" anchor="ctr"/>
+          <a:lstStyle/>
+          <a:p>
+            <a:pPr algn="ctr"/>
+            <a:endParaRPr lang="en-US"/>
+          </a:p>
+        </p:txBody>
+      </p:sp>
+      <p:sp>
+        <p:nvSpPr>
+          <p:cNvPr id="19" name="Rounded Rectangle 18"/>
+          <p:cNvSpPr/>
+          <p:nvPr/>
+        </p:nvSpPr>
+        <p:spPr>
+          <a:xfrm>
+            <a:off x="2875927" y="3178626"/>
+            <a:ext cx="729937" cy="235199"/>
+          </a:xfrm>
+          <a:prstGeom prst="roundRect">
+            <a:avLst/>
+          </a:prstGeom>
+          <a:noFill/>
+          <a:ln>
+            <a:solidFill>
+              <a:srgbClr val="3366FF"/>
+            </a:solidFill>
+          </a:ln>
+        </p:spPr>
+        <p:style>
+          <a:lnRef idx="1">
+            <a:schemeClr val="accent1"/>
+          </a:lnRef>
+          <a:fillRef idx="3">
+            <a:schemeClr val="accent1"/>
+          </a:fillRef>
+          <a:effectRef idx="2">
+            <a:schemeClr val="accent1"/>
+          </a:effectRef>
+          <a:fontRef idx="minor">
+            <a:schemeClr val="lt1"/>
+          </a:fontRef>
+        </p:style>
+        <p:txBody>
+          <a:bodyPr rtlCol="0" anchor="ctr"/>
+          <a:lstStyle/>
+          <a:p>
+            <a:pPr algn="ctr"/>
+            <a:endParaRPr lang="en-US"/>
+          </a:p>
+        </p:txBody>
+      </p:sp>
+      <p:sp>
+        <p:nvSpPr>
+          <p:cNvPr id="23" name="Rounded Rectangle 22"/>
+          <p:cNvSpPr/>
+          <p:nvPr/>
+        </p:nvSpPr>
+        <p:spPr>
+          <a:xfrm>
+            <a:off x="5635194" y="3178626"/>
+            <a:ext cx="745620" cy="235199"/>
+          </a:xfrm>
+          <a:prstGeom prst="roundRect">
+            <a:avLst/>
+          </a:prstGeom>
+          <a:noFill/>
+          <a:ln>
+            <a:solidFill>
+              <a:srgbClr val="3366FF"/>
+            </a:solidFill>
+          </a:ln>
+        </p:spPr>
+        <p:style>
+          <a:lnRef idx="1">
+            <a:schemeClr val="accent1"/>
+          </a:lnRef>
+          <a:fillRef idx="3">
+            <a:schemeClr val="accent1"/>
+          </a:fillRef>
+          <a:effectRef idx="2">
+            <a:schemeClr val="accent1"/>
+          </a:effectRef>
+          <a:fontRef idx="minor">
+            <a:schemeClr val="lt1"/>
+          </a:fontRef>
+        </p:style>
+        <p:txBody>
+          <a:bodyPr rtlCol="0" anchor="ctr"/>
+          <a:lstStyle/>
+          <a:p>
+            <a:pPr algn="ctr"/>
+            <a:endParaRPr lang="en-US"/>
           </a:p>
         </p:txBody>
       </p:sp>
     </p:spTree>
     <p:extLst>
       <p:ext uri="{BB962C8B-B14F-4D97-AF65-F5344CB8AC3E}">
-        <p14:creationId xmlns:p14="http://schemas.microsoft.com/office/powerpoint/2010/main" val="1540451055"/>
+        <p14:creationId xmlns:p14="http://schemas.microsoft.com/office/powerpoint/2010/main" val="3666875369"/>
       </p:ext>
     </p:extLst>
   </p:cSld>
@@ -4040,754 +5553,84 @@
           <a:chExt cx="0" cy="0"/>
         </a:xfrm>
       </p:grpSpPr>
-      <p:pic>
-        <p:nvPicPr>
-          <p:cNvPr id="5" name="Picture 4"/>
-          <p:cNvPicPr>
-            <a:picLocks noChangeAspect="1"/>
-          </p:cNvPicPr>
-          <p:nvPr/>
-        </p:nvPicPr>
-        <p:blipFill>
-          <a:blip r:embed="rId2"/>
-          <a:stretch>
-            <a:fillRect/>
-          </a:stretch>
-        </p:blipFill>
-        <p:spPr>
-          <a:xfrm>
-            <a:off x="1937318" y="0"/>
-            <a:ext cx="4665389" cy="6858000"/>
-          </a:xfrm>
-          <a:prstGeom prst="rect">
-            <a:avLst/>
-          </a:prstGeom>
-        </p:spPr>
-      </p:pic>
-      <p:sp>
-        <p:nvSpPr>
-          <p:cNvPr id="6" name="TextBox 5"/>
-          <p:cNvSpPr txBox="1"/>
-          <p:nvPr/>
-        </p:nvSpPr>
-        <p:spPr>
-          <a:xfrm>
-            <a:off x="31352" y="2743987"/>
-            <a:ext cx="1818610" cy="1200329"/>
-          </a:xfrm>
-          <a:prstGeom prst="rect">
-            <a:avLst/>
-          </a:prstGeom>
-          <a:noFill/>
-        </p:spPr>
-        <p:txBody>
-          <a:bodyPr wrap="square" rtlCol="0">
-            <a:spAutoFit/>
+      <p:sp>
+        <p:nvSpPr>
+          <p:cNvPr id="2" name="Title 1"/>
+          <p:cNvSpPr>
+            <a:spLocks noGrp="1"/>
+          </p:cNvSpPr>
+          <p:nvPr>
+            <p:ph type="title"/>
+          </p:nvPr>
+        </p:nvSpPr>
+        <p:spPr/>
+        <p:txBody>
+          <a:bodyPr/>
+          <a:lstStyle/>
+          <a:p>
+            <a:r>
+              <a:rPr lang="en-US" dirty="0" smtClean="0"/>
+              <a:t>What are the clusters?</a:t>
+            </a:r>
+            <a:endParaRPr lang="en-US" dirty="0"/>
+          </a:p>
+        </p:txBody>
+      </p:sp>
+      <p:sp>
+        <p:nvSpPr>
+          <p:cNvPr id="3" name="Content Placeholder 2"/>
+          <p:cNvSpPr>
+            <a:spLocks noGrp="1"/>
+          </p:cNvSpPr>
+          <p:nvPr>
+            <p:ph idx="1"/>
+          </p:nvPr>
+        </p:nvSpPr>
+        <p:spPr/>
+        <p:txBody>
+          <a:bodyPr>
+            <a:normAutofit fontScale="85000" lnSpcReduction="20000"/>
           </a:bodyPr>
           <a:lstStyle/>
           <a:p>
-            <a:pPr algn="ctr"/>
-            <a:r>
-              <a:rPr lang="en-US" sz="3600" dirty="0" smtClean="0"/>
-              <a:t>Centroid table</a:t>
-            </a:r>
-            <a:endParaRPr lang="en-US" sz="3600" dirty="0"/>
-          </a:p>
-        </p:txBody>
-      </p:sp>
-      <p:sp>
-        <p:nvSpPr>
-          <p:cNvPr id="7" name="Rounded Rectangle 6"/>
-          <p:cNvSpPr/>
-          <p:nvPr/>
-        </p:nvSpPr>
-        <p:spPr>
-          <a:xfrm>
-            <a:off x="2837654" y="250878"/>
-            <a:ext cx="3621541" cy="1175994"/>
-          </a:xfrm>
-          <a:prstGeom prst="roundRect">
-            <a:avLst/>
-          </a:prstGeom>
-          <a:noFill/>
-          <a:ln>
-            <a:solidFill>
-              <a:srgbClr val="FF0000"/>
-            </a:solidFill>
-          </a:ln>
-        </p:spPr>
-        <p:style>
-          <a:lnRef idx="1">
-            <a:schemeClr val="accent1"/>
-          </a:lnRef>
-          <a:fillRef idx="3">
-            <a:schemeClr val="accent1"/>
-          </a:fillRef>
-          <a:effectRef idx="2">
-            <a:schemeClr val="accent1"/>
-          </a:effectRef>
-          <a:fontRef idx="minor">
-            <a:schemeClr val="lt1"/>
-          </a:fontRef>
-        </p:style>
-        <p:txBody>
-          <a:bodyPr rtlCol="0" anchor="ctr"/>
-          <a:lstStyle/>
-          <a:p>
-            <a:pPr algn="ctr"/>
-            <a:endParaRPr lang="en-US"/>
-          </a:p>
-        </p:txBody>
-      </p:sp>
-      <p:sp>
-        <p:nvSpPr>
-          <p:cNvPr id="8" name="Rounded Rectangle 7"/>
-          <p:cNvSpPr/>
-          <p:nvPr/>
-        </p:nvSpPr>
-        <p:spPr>
-          <a:xfrm>
-            <a:off x="2837654" y="1485193"/>
-            <a:ext cx="3621541" cy="239597"/>
-          </a:xfrm>
-          <a:prstGeom prst="roundRect">
-            <a:avLst/>
-          </a:prstGeom>
-          <a:noFill/>
-          <a:ln>
-            <a:solidFill>
-              <a:srgbClr val="008000"/>
-            </a:solidFill>
-          </a:ln>
-        </p:spPr>
-        <p:style>
-          <a:lnRef idx="1">
-            <a:schemeClr val="accent1"/>
-          </a:lnRef>
-          <a:fillRef idx="3">
-            <a:schemeClr val="accent1"/>
-          </a:fillRef>
-          <a:effectRef idx="2">
-            <a:schemeClr val="accent1"/>
-          </a:effectRef>
-          <a:fontRef idx="minor">
-            <a:schemeClr val="lt1"/>
-          </a:fontRef>
-        </p:style>
-        <p:txBody>
-          <a:bodyPr rtlCol="0" anchor="ctr"/>
-          <a:lstStyle/>
-          <a:p>
-            <a:pPr algn="ctr"/>
-            <a:endParaRPr lang="en-US"/>
-          </a:p>
-        </p:txBody>
-      </p:sp>
-      <p:sp>
-        <p:nvSpPr>
-          <p:cNvPr id="9" name="TextBox 8"/>
-          <p:cNvSpPr txBox="1"/>
-          <p:nvPr/>
-        </p:nvSpPr>
-        <p:spPr>
-          <a:xfrm>
-            <a:off x="6602707" y="38383"/>
-            <a:ext cx="2541293" cy="7109637"/>
-          </a:xfrm>
-          <a:prstGeom prst="rect">
-            <a:avLst/>
-          </a:prstGeom>
-          <a:noFill/>
-        </p:spPr>
-        <p:txBody>
-          <a:bodyPr wrap="square" rtlCol="0">
-            <a:spAutoFit/>
-          </a:bodyPr>
-          <a:lstStyle/>
-          <a:p>
-            <a:pPr algn="ctr"/>
-            <a:r>
-              <a:rPr lang="en-US" sz="1900" dirty="0" smtClean="0"/>
-              <a:t>Going from cluster 3 to cluster 0:</a:t>
-            </a:r>
-            <a:endParaRPr lang="en-US" sz="1900" dirty="0">
-              <a:solidFill>
-                <a:srgbClr val="FF0000"/>
-              </a:solidFill>
-            </a:endParaRPr>
-          </a:p>
-          <a:p>
-            <a:pPr algn="ctr"/>
-            <a:r>
-              <a:rPr lang="en-US" sz="1900" dirty="0" smtClean="0">
-                <a:solidFill>
-                  <a:srgbClr val="FF0000"/>
-                </a:solidFill>
-              </a:rPr>
-              <a:t>Red attributes show a clear increase</a:t>
-            </a:r>
-          </a:p>
-          <a:p>
-            <a:pPr algn="ctr"/>
-            <a:r>
-              <a:rPr lang="en-US" sz="1900" dirty="0" smtClean="0">
-                <a:solidFill>
-                  <a:srgbClr val="008000"/>
-                </a:solidFill>
-              </a:rPr>
-              <a:t>Green attributes (desired partner’s weight, importance of caste, # of brothers/sisters) decrease</a:t>
-            </a:r>
-          </a:p>
-          <a:p>
-            <a:pPr algn="ctr"/>
-            <a:r>
-              <a:rPr lang="en-US" sz="1900" dirty="0" smtClean="0">
-                <a:solidFill>
-                  <a:srgbClr val="3366FF"/>
-                </a:solidFill>
-              </a:rPr>
-              <a:t>Marital status: more divorced/separated/widowed/annulled </a:t>
-            </a:r>
-            <a:r>
-              <a:rPr lang="en-US" sz="1900" dirty="0" smtClean="0">
-                <a:solidFill>
-                  <a:srgbClr val="FF0000"/>
-                </a:solidFill>
-              </a:rPr>
-              <a:t>Values: becomes more liberal. Complexion: becomes fairer. Body type: becomes more athletic, less slim</a:t>
-            </a:r>
-          </a:p>
-          <a:p>
-            <a:pPr algn="ctr"/>
-            <a:r>
-              <a:rPr lang="en-US" sz="1900" dirty="0" smtClean="0">
-                <a:solidFill>
-                  <a:srgbClr val="FF0000"/>
-                </a:solidFill>
-              </a:rPr>
-              <a:t>Caste: less important</a:t>
-            </a:r>
-          </a:p>
-          <a:p>
-            <a:pPr algn="ctr"/>
-            <a:r>
-              <a:rPr lang="en-US" sz="1900" dirty="0" smtClean="0">
-                <a:solidFill>
-                  <a:srgbClr val="FF0000"/>
-                </a:solidFill>
-              </a:rPr>
-              <a:t>Created for: more-often by self</a:t>
-            </a:r>
-          </a:p>
-          <a:p>
-            <a:pPr algn="ctr"/>
-            <a:r>
-              <a:rPr lang="en-US" sz="1900" dirty="0" smtClean="0">
-                <a:solidFill>
-                  <a:srgbClr val="FF0000"/>
-                </a:solidFill>
-              </a:rPr>
-              <a:t>Living situation: Living by self, not with parents</a:t>
-            </a:r>
-          </a:p>
-          <a:p>
-            <a:pPr algn="ctr"/>
-            <a:endParaRPr lang="en-US" sz="1900" dirty="0">
-              <a:solidFill>
-                <a:srgbClr val="FF0000"/>
-              </a:solidFill>
-            </a:endParaRPr>
-          </a:p>
-        </p:txBody>
-      </p:sp>
-      <p:sp>
-        <p:nvSpPr>
-          <p:cNvPr id="11" name="Rounded Rectangle 10"/>
-          <p:cNvSpPr/>
-          <p:nvPr/>
-        </p:nvSpPr>
-        <p:spPr>
-          <a:xfrm>
-            <a:off x="2848951" y="1971227"/>
-            <a:ext cx="3621541" cy="427799"/>
-          </a:xfrm>
-          <a:prstGeom prst="roundRect">
-            <a:avLst/>
-          </a:prstGeom>
-          <a:noFill/>
-          <a:ln>
-            <a:solidFill>
-              <a:srgbClr val="FF0000"/>
-            </a:solidFill>
-          </a:ln>
-        </p:spPr>
-        <p:style>
-          <a:lnRef idx="1">
-            <a:schemeClr val="accent1"/>
-          </a:lnRef>
-          <a:fillRef idx="3">
-            <a:schemeClr val="accent1"/>
-          </a:fillRef>
-          <a:effectRef idx="2">
-            <a:schemeClr val="accent1"/>
-          </a:effectRef>
-          <a:fontRef idx="minor">
-            <a:schemeClr val="lt1"/>
-          </a:fontRef>
-        </p:style>
-        <p:txBody>
-          <a:bodyPr rtlCol="0" anchor="ctr"/>
-          <a:lstStyle/>
-          <a:p>
-            <a:pPr algn="ctr"/>
-            <a:endParaRPr lang="en-US"/>
-          </a:p>
-        </p:txBody>
-      </p:sp>
-      <p:sp>
-        <p:nvSpPr>
-          <p:cNvPr id="12" name="Rounded Rectangle 11"/>
-          <p:cNvSpPr/>
-          <p:nvPr/>
-        </p:nvSpPr>
-        <p:spPr>
-          <a:xfrm>
-            <a:off x="2864629" y="2430386"/>
-            <a:ext cx="992078" cy="235199"/>
-          </a:xfrm>
-          <a:prstGeom prst="roundRect">
-            <a:avLst/>
-          </a:prstGeom>
-          <a:noFill/>
-          <a:ln>
-            <a:solidFill>
-              <a:srgbClr val="3366FF"/>
-            </a:solidFill>
-          </a:ln>
-        </p:spPr>
-        <p:style>
-          <a:lnRef idx="1">
-            <a:schemeClr val="accent1"/>
-          </a:lnRef>
-          <a:fillRef idx="3">
-            <a:schemeClr val="accent1"/>
-          </a:fillRef>
-          <a:effectRef idx="2">
-            <a:schemeClr val="accent1"/>
-          </a:effectRef>
-          <a:fontRef idx="minor">
-            <a:schemeClr val="lt1"/>
-          </a:fontRef>
-        </p:style>
-        <p:txBody>
-          <a:bodyPr rtlCol="0" anchor="ctr"/>
-          <a:lstStyle/>
-          <a:p>
-            <a:pPr algn="ctr"/>
-            <a:endParaRPr lang="en-US"/>
-          </a:p>
-        </p:txBody>
-      </p:sp>
-      <p:sp>
-        <p:nvSpPr>
-          <p:cNvPr id="13" name="Rounded Rectangle 12"/>
-          <p:cNvSpPr/>
-          <p:nvPr/>
-        </p:nvSpPr>
-        <p:spPr>
-          <a:xfrm>
-            <a:off x="2837654" y="6571322"/>
-            <a:ext cx="3621541" cy="249440"/>
-          </a:xfrm>
-          <a:prstGeom prst="roundRect">
-            <a:avLst/>
-          </a:prstGeom>
-          <a:noFill/>
-          <a:ln>
-            <a:solidFill>
-              <a:srgbClr val="FF0000"/>
-            </a:solidFill>
-          </a:ln>
-        </p:spPr>
-        <p:style>
-          <a:lnRef idx="1">
-            <a:schemeClr val="accent1"/>
-          </a:lnRef>
-          <a:fillRef idx="3">
-            <a:schemeClr val="accent1"/>
-          </a:fillRef>
-          <a:effectRef idx="2">
-            <a:schemeClr val="accent1"/>
-          </a:effectRef>
-          <a:fontRef idx="minor">
-            <a:schemeClr val="lt1"/>
-          </a:fontRef>
-        </p:style>
-        <p:txBody>
-          <a:bodyPr rtlCol="0" anchor="ctr"/>
-          <a:lstStyle/>
-          <a:p>
-            <a:pPr algn="ctr"/>
-            <a:endParaRPr lang="en-US"/>
-          </a:p>
-        </p:txBody>
-      </p:sp>
-      <p:sp>
-        <p:nvSpPr>
-          <p:cNvPr id="14" name="Rounded Rectangle 13"/>
-          <p:cNvSpPr/>
-          <p:nvPr/>
-        </p:nvSpPr>
-        <p:spPr>
-          <a:xfrm>
-            <a:off x="2864629" y="3944316"/>
-            <a:ext cx="3621541" cy="696938"/>
-          </a:xfrm>
-          <a:prstGeom prst="roundRect">
-            <a:avLst/>
-          </a:prstGeom>
-          <a:noFill/>
-          <a:ln>
-            <a:solidFill>
-              <a:srgbClr val="FF0000"/>
-            </a:solidFill>
-          </a:ln>
-        </p:spPr>
-        <p:style>
-          <a:lnRef idx="1">
-            <a:schemeClr val="accent1"/>
-          </a:lnRef>
-          <a:fillRef idx="3">
-            <a:schemeClr val="accent1"/>
-          </a:fillRef>
-          <a:effectRef idx="2">
-            <a:schemeClr val="accent1"/>
-          </a:effectRef>
-          <a:fontRef idx="minor">
-            <a:schemeClr val="lt1"/>
-          </a:fontRef>
-        </p:style>
-        <p:txBody>
-          <a:bodyPr rtlCol="0" anchor="ctr"/>
-          <a:lstStyle/>
-          <a:p>
-            <a:pPr algn="ctr"/>
-            <a:endParaRPr lang="en-US"/>
-          </a:p>
-        </p:txBody>
-      </p:sp>
-      <p:sp>
-        <p:nvSpPr>
-          <p:cNvPr id="15" name="Rounded Rectangle 14"/>
-          <p:cNvSpPr/>
-          <p:nvPr/>
-        </p:nvSpPr>
-        <p:spPr>
-          <a:xfrm>
-            <a:off x="2848952" y="5613407"/>
-            <a:ext cx="3621541" cy="481675"/>
-          </a:xfrm>
-          <a:prstGeom prst="roundRect">
-            <a:avLst/>
-          </a:prstGeom>
-          <a:noFill/>
-          <a:ln>
-            <a:solidFill>
-              <a:srgbClr val="FF0000"/>
-            </a:solidFill>
-          </a:ln>
-        </p:spPr>
-        <p:style>
-          <a:lnRef idx="1">
-            <a:schemeClr val="accent1"/>
-          </a:lnRef>
-          <a:fillRef idx="3">
-            <a:schemeClr val="accent1"/>
-          </a:fillRef>
-          <a:effectRef idx="2">
-            <a:schemeClr val="accent1"/>
-          </a:effectRef>
-          <a:fontRef idx="minor">
-            <a:schemeClr val="lt1"/>
-          </a:fontRef>
-        </p:style>
-        <p:txBody>
-          <a:bodyPr rtlCol="0" anchor="ctr"/>
-          <a:lstStyle/>
-          <a:p>
-            <a:pPr algn="ctr"/>
-            <a:endParaRPr lang="en-US"/>
-          </a:p>
-        </p:txBody>
-      </p:sp>
-      <p:sp>
-        <p:nvSpPr>
-          <p:cNvPr id="16" name="Rounded Rectangle 15"/>
-          <p:cNvSpPr/>
-          <p:nvPr/>
-        </p:nvSpPr>
-        <p:spPr>
-          <a:xfrm>
-            <a:off x="2848952" y="6122043"/>
-            <a:ext cx="3621541" cy="449279"/>
-          </a:xfrm>
-          <a:prstGeom prst="roundRect">
-            <a:avLst/>
-          </a:prstGeom>
-          <a:noFill/>
-          <a:ln>
-            <a:solidFill>
-              <a:srgbClr val="008000"/>
-            </a:solidFill>
-          </a:ln>
-        </p:spPr>
-        <p:style>
-          <a:lnRef idx="1">
-            <a:schemeClr val="accent1"/>
-          </a:lnRef>
-          <a:fillRef idx="3">
-            <a:schemeClr val="accent1"/>
-          </a:fillRef>
-          <a:effectRef idx="2">
-            <a:schemeClr val="accent1"/>
-          </a:effectRef>
-          <a:fontRef idx="minor">
-            <a:schemeClr val="lt1"/>
-          </a:fontRef>
-        </p:style>
-        <p:txBody>
-          <a:bodyPr rtlCol="0" anchor="ctr"/>
-          <a:lstStyle/>
-          <a:p>
-            <a:pPr algn="ctr"/>
-            <a:endParaRPr lang="en-US"/>
-          </a:p>
-        </p:txBody>
-      </p:sp>
-      <p:sp>
-        <p:nvSpPr>
-          <p:cNvPr id="17" name="Rounded Rectangle 16"/>
-          <p:cNvSpPr/>
-          <p:nvPr/>
-        </p:nvSpPr>
-        <p:spPr>
-          <a:xfrm>
-            <a:off x="2837654" y="4898971"/>
-            <a:ext cx="3621541" cy="228359"/>
-          </a:xfrm>
-          <a:prstGeom prst="roundRect">
-            <a:avLst/>
-          </a:prstGeom>
-          <a:noFill/>
-          <a:ln>
-            <a:solidFill>
-              <a:srgbClr val="FF0000"/>
-            </a:solidFill>
-          </a:ln>
-        </p:spPr>
-        <p:style>
-          <a:lnRef idx="1">
-            <a:schemeClr val="accent1"/>
-          </a:lnRef>
-          <a:fillRef idx="3">
-            <a:schemeClr val="accent1"/>
-          </a:fillRef>
-          <a:effectRef idx="2">
-            <a:schemeClr val="accent1"/>
-          </a:effectRef>
-          <a:fontRef idx="minor">
-            <a:schemeClr val="lt1"/>
-          </a:fontRef>
-        </p:style>
-        <p:txBody>
-          <a:bodyPr rtlCol="0" anchor="ctr"/>
-          <a:lstStyle/>
-          <a:p>
-            <a:pPr algn="ctr"/>
-            <a:endParaRPr lang="en-US"/>
-          </a:p>
-        </p:txBody>
-      </p:sp>
-      <p:sp>
-        <p:nvSpPr>
-          <p:cNvPr id="18" name="Rounded Rectangle 17"/>
-          <p:cNvSpPr/>
-          <p:nvPr/>
-        </p:nvSpPr>
-        <p:spPr>
-          <a:xfrm>
-            <a:off x="2848951" y="4641254"/>
-            <a:ext cx="3621541" cy="257717"/>
-          </a:xfrm>
-          <a:prstGeom prst="roundRect">
-            <a:avLst/>
-          </a:prstGeom>
-          <a:noFill/>
-          <a:ln>
-            <a:solidFill>
-              <a:srgbClr val="008000"/>
-            </a:solidFill>
-          </a:ln>
-        </p:spPr>
-        <p:style>
-          <a:lnRef idx="1">
-            <a:schemeClr val="accent1"/>
-          </a:lnRef>
-          <a:fillRef idx="3">
-            <a:schemeClr val="accent1"/>
-          </a:fillRef>
-          <a:effectRef idx="2">
-            <a:schemeClr val="accent1"/>
-          </a:effectRef>
-          <a:fontRef idx="minor">
-            <a:schemeClr val="lt1"/>
-          </a:fontRef>
-        </p:style>
-        <p:txBody>
-          <a:bodyPr rtlCol="0" anchor="ctr"/>
-          <a:lstStyle/>
-          <a:p>
-            <a:pPr algn="ctr"/>
-            <a:endParaRPr lang="en-US"/>
-          </a:p>
-        </p:txBody>
-      </p:sp>
-      <p:sp>
-        <p:nvSpPr>
-          <p:cNvPr id="20" name="Rounded Rectangle 19"/>
-          <p:cNvSpPr/>
-          <p:nvPr/>
-        </p:nvSpPr>
-        <p:spPr>
-          <a:xfrm>
-            <a:off x="2848951" y="5158690"/>
-            <a:ext cx="3621541" cy="250879"/>
-          </a:xfrm>
-          <a:prstGeom prst="roundRect">
-            <a:avLst/>
-          </a:prstGeom>
-          <a:noFill/>
-          <a:ln>
-            <a:solidFill>
-              <a:srgbClr val="008000"/>
-            </a:solidFill>
-          </a:ln>
-        </p:spPr>
-        <p:style>
-          <a:lnRef idx="1">
-            <a:schemeClr val="accent1"/>
-          </a:lnRef>
-          <a:fillRef idx="3">
-            <a:schemeClr val="accent1"/>
-          </a:fillRef>
-          <a:effectRef idx="2">
-            <a:schemeClr val="accent1"/>
-          </a:effectRef>
-          <a:fontRef idx="minor">
-            <a:schemeClr val="lt1"/>
-          </a:fontRef>
-        </p:style>
-        <p:txBody>
-          <a:bodyPr rtlCol="0" anchor="ctr"/>
-          <a:lstStyle/>
-          <a:p>
-            <a:pPr algn="ctr"/>
-            <a:endParaRPr lang="en-US"/>
-          </a:p>
-        </p:txBody>
-      </p:sp>
-      <p:sp>
-        <p:nvSpPr>
-          <p:cNvPr id="21" name="Rounded Rectangle 20"/>
-          <p:cNvSpPr/>
-          <p:nvPr/>
-        </p:nvSpPr>
-        <p:spPr>
-          <a:xfrm>
-            <a:off x="2837654" y="2676866"/>
-            <a:ext cx="3621541" cy="239597"/>
-          </a:xfrm>
-          <a:prstGeom prst="roundRect">
-            <a:avLst/>
-          </a:prstGeom>
-          <a:noFill/>
-          <a:ln>
-            <a:solidFill>
-              <a:srgbClr val="008000"/>
-            </a:solidFill>
-          </a:ln>
-        </p:spPr>
-        <p:style>
-          <a:lnRef idx="1">
-            <a:schemeClr val="accent1"/>
-          </a:lnRef>
-          <a:fillRef idx="3">
-            <a:schemeClr val="accent1"/>
-          </a:fillRef>
-          <a:effectRef idx="2">
-            <a:schemeClr val="accent1"/>
-          </a:effectRef>
-          <a:fontRef idx="minor">
-            <a:schemeClr val="lt1"/>
-          </a:fontRef>
-        </p:style>
-        <p:txBody>
-          <a:bodyPr rtlCol="0" anchor="ctr"/>
-          <a:lstStyle/>
-          <a:p>
-            <a:pPr algn="ctr"/>
-            <a:endParaRPr lang="en-US"/>
-          </a:p>
-        </p:txBody>
-      </p:sp>
-      <p:sp>
-        <p:nvSpPr>
-          <p:cNvPr id="22" name="Rounded Rectangle 21"/>
-          <p:cNvSpPr/>
-          <p:nvPr/>
-        </p:nvSpPr>
-        <p:spPr>
-          <a:xfrm>
-            <a:off x="2864629" y="3440740"/>
-            <a:ext cx="3621541" cy="228359"/>
-          </a:xfrm>
-          <a:prstGeom prst="roundRect">
-            <a:avLst/>
-          </a:prstGeom>
-          <a:noFill/>
-          <a:ln>
-            <a:solidFill>
-              <a:srgbClr val="FF0000"/>
-            </a:solidFill>
-          </a:ln>
-        </p:spPr>
-        <p:style>
-          <a:lnRef idx="1">
-            <a:schemeClr val="accent1"/>
-          </a:lnRef>
-          <a:fillRef idx="3">
-            <a:schemeClr val="accent1"/>
-          </a:fillRef>
-          <a:effectRef idx="2">
-            <a:schemeClr val="accent1"/>
-          </a:effectRef>
-          <a:fontRef idx="minor">
-            <a:schemeClr val="lt1"/>
-          </a:fontRef>
-        </p:style>
-        <p:txBody>
-          <a:bodyPr rtlCol="0" anchor="ctr"/>
-          <a:lstStyle/>
-          <a:p>
-            <a:pPr algn="ctr"/>
-            <a:endParaRPr lang="en-US"/>
+            <a:r>
+              <a:rPr lang="en-US" dirty="0" smtClean="0"/>
+              <a:t>Cluster 0: super-elite. Only 144 people. Earn high 5 figure or 6 figure dollar salary. Rich/affluent or high class. Live in nuclear families. Higher chance of divorce/widowed/separated. Most selective about partner: want lower partner weight, </a:t>
+            </a:r>
+            <a:r>
+              <a:rPr lang="en-US" dirty="0" err="1" smtClean="0"/>
+              <a:t>manglik</a:t>
+            </a:r>
+            <a:r>
+              <a:rPr lang="en-US" dirty="0" smtClean="0"/>
+              <a:t> &amp; horoscope matching more important. But caste not important. Create their own profile. </a:t>
+            </a:r>
+          </a:p>
+          <a:p>
+            <a:r>
+              <a:rPr lang="en-US" dirty="0" smtClean="0"/>
+              <a:t>Cluster 1</a:t>
+            </a:r>
+          </a:p>
+          <a:p>
+            <a:r>
+              <a:rPr lang="en-US" dirty="0" smtClean="0"/>
+              <a:t>Cluster 2</a:t>
+            </a:r>
+          </a:p>
+          <a:p>
+            <a:r>
+              <a:rPr lang="en-US" dirty="0" smtClean="0"/>
+              <a:t>Cluster 3: mainly women. Joint families. Reverse of everything in cluster 0!  Mainly lower middle/middle class. Many more brothers and sisters!</a:t>
+            </a:r>
+            <a:endParaRPr lang="en-US" dirty="0"/>
           </a:p>
         </p:txBody>
       </p:sp>
     </p:spTree>
     <p:extLst>
       <p:ext uri="{BB962C8B-B14F-4D97-AF65-F5344CB8AC3E}">
-        <p14:creationId xmlns:p14="http://schemas.microsoft.com/office/powerpoint/2010/main" val="3666875369"/>
+        <p14:creationId xmlns:p14="http://schemas.microsoft.com/office/powerpoint/2010/main" val="3113706236"/>
       </p:ext>
     </p:extLst>
   </p:cSld>
@@ -4821,75 +5664,82 @@
           <a:chExt cx="0" cy="0"/>
         </a:xfrm>
       </p:grpSpPr>
-      <p:sp>
-        <p:nvSpPr>
-          <p:cNvPr id="2" name="Title 1"/>
-          <p:cNvSpPr>
-            <a:spLocks noGrp="1"/>
-          </p:cNvSpPr>
-          <p:nvPr>
-            <p:ph type="title"/>
-          </p:nvPr>
-        </p:nvSpPr>
-        <p:spPr/>
-        <p:txBody>
-          <a:bodyPr/>
-          <a:lstStyle/>
-          <a:p>
-            <a:r>
-              <a:rPr lang="en-US" dirty="0" smtClean="0"/>
-              <a:t>What are the clusters?</a:t>
-            </a:r>
+      <p:pic>
+        <p:nvPicPr>
+          <p:cNvPr id="4" name="Picture 3"/>
+          <p:cNvPicPr>
+            <a:picLocks noChangeAspect="1"/>
+          </p:cNvPicPr>
+          <p:nvPr/>
+        </p:nvPicPr>
+        <p:blipFill>
+          <a:blip r:embed="rId2"/>
+          <a:stretch>
+            <a:fillRect/>
+          </a:stretch>
+        </p:blipFill>
+        <p:spPr>
+          <a:xfrm>
+            <a:off x="243398" y="0"/>
+            <a:ext cx="6800850" cy="6858000"/>
+          </a:xfrm>
+          <a:prstGeom prst="rect">
+            <a:avLst/>
+          </a:prstGeom>
+        </p:spPr>
+      </p:pic>
+      <p:sp>
+        <p:nvSpPr>
+          <p:cNvPr id="3" name="TextBox 2"/>
+          <p:cNvSpPr txBox="1"/>
+          <p:nvPr/>
+        </p:nvSpPr>
+        <p:spPr>
+          <a:xfrm>
+            <a:off x="7384182" y="2446066"/>
+            <a:ext cx="1759818" cy="1754327"/>
+          </a:xfrm>
+          <a:prstGeom prst="rect">
+            <a:avLst/>
+          </a:prstGeom>
+          <a:noFill/>
+        </p:spPr>
+        <p:txBody>
+          <a:bodyPr wrap="square" rtlCol="0">
+            <a:spAutoFit/>
+          </a:bodyPr>
+          <a:lstStyle/>
+          <a:p>
+            <a:r>
+              <a:rPr lang="en-US" dirty="0" smtClean="0"/>
+              <a:t>Status:</a:t>
+            </a:r>
+          </a:p>
+          <a:p>
             <a:endParaRPr lang="en-US" dirty="0"/>
           </a:p>
-        </p:txBody>
-      </p:sp>
-      <p:sp>
-        <p:nvSpPr>
-          <p:cNvPr id="3" name="Content Placeholder 2"/>
-          <p:cNvSpPr>
-            <a:spLocks noGrp="1"/>
-          </p:cNvSpPr>
-          <p:nvPr>
-            <p:ph idx="1"/>
-          </p:nvPr>
-        </p:nvSpPr>
-        <p:spPr/>
-        <p:txBody>
-          <a:bodyPr>
-            <a:normAutofit fontScale="85000" lnSpcReduction="20000"/>
-          </a:bodyPr>
-          <a:lstStyle/>
-          <a:p>
-            <a:r>
-              <a:rPr lang="en-US" dirty="0" smtClean="0"/>
-              <a:t>Cluster 0: super-elite. Only 144 people. Earn high 5 figure or 6 figure dollar salary. Rich/affluent or high class. Live in nuclear families. Higher chance of divorce/widowed/separated. Most selective about partner: want lower partner weight, </a:t>
-            </a:r>
-            <a:r>
-              <a:rPr lang="en-US" dirty="0" err="1" smtClean="0"/>
-              <a:t>manglik</a:t>
-            </a:r>
-            <a:r>
-              <a:rPr lang="en-US" dirty="0" smtClean="0"/>
-              <a:t> &amp; horoscope matching more important. But caste not important. Create their own profile. </a:t>
-            </a:r>
-          </a:p>
-          <a:p>
-            <a:r>
-              <a:rPr lang="en-US" dirty="0" smtClean="0"/>
-              <a:t>Cluster 1</a:t>
-            </a:r>
-          </a:p>
-          <a:p>
-            <a:r>
-              <a:rPr lang="en-US" dirty="0" smtClean="0"/>
-              <a:t>Cluster 2</a:t>
-            </a:r>
-          </a:p>
-          <a:p>
-            <a:r>
-              <a:rPr lang="en-US" dirty="0" smtClean="0"/>
-              <a:t>Cluster 3: mainly women. Joint families. Reverse of everything in cluster 0!  Mainly lower middle/middle class. Many more brothers and sisters!</a:t>
+          <a:p>
+            <a:r>
+              <a:rPr lang="en-US" dirty="0" smtClean="0"/>
+              <a:t>1 = middle class</a:t>
+            </a:r>
+          </a:p>
+          <a:p>
+            <a:r>
+              <a:rPr lang="en-US" dirty="0" smtClean="0"/>
+              <a:t>2 = upper middle</a:t>
+            </a:r>
+          </a:p>
+          <a:p>
+            <a:r>
+              <a:rPr lang="en-US" dirty="0" smtClean="0"/>
+              <a:t>3 = high class</a:t>
+            </a:r>
+          </a:p>
+          <a:p>
+            <a:r>
+              <a:rPr lang="en-US" dirty="0" smtClean="0"/>
+              <a:t>4 = rich/affluent</a:t>
             </a:r>
             <a:endParaRPr lang="en-US" dirty="0"/>
           </a:p>
@@ -4898,7 +5748,7 @@
     </p:spTree>
     <p:extLst>
       <p:ext uri="{BB962C8B-B14F-4D97-AF65-F5344CB8AC3E}">
-        <p14:creationId xmlns:p14="http://schemas.microsoft.com/office/powerpoint/2010/main" val="3113706236"/>
+        <p14:creationId xmlns:p14="http://schemas.microsoft.com/office/powerpoint/2010/main" val="2565630791"/>
       </p:ext>
     </p:extLst>
   </p:cSld>
@@ -4948,24 +5798,94 @@
         </p:blipFill>
         <p:spPr>
           <a:xfrm>
-            <a:off x="1168400" y="0"/>
-            <a:ext cx="6800850" cy="6858000"/>
+            <a:off x="491280" y="0"/>
+            <a:ext cx="6777990" cy="6858000"/>
           </a:xfrm>
           <a:prstGeom prst="rect">
             <a:avLst/>
           </a:prstGeom>
         </p:spPr>
       </p:pic>
+      <p:sp>
+        <p:nvSpPr>
+          <p:cNvPr id="5" name="TextBox 4"/>
+          <p:cNvSpPr txBox="1"/>
+          <p:nvPr/>
+        </p:nvSpPr>
+        <p:spPr>
+          <a:xfrm>
+            <a:off x="7384182" y="2446066"/>
+            <a:ext cx="1759818" cy="2031325"/>
+          </a:xfrm>
+          <a:prstGeom prst="rect">
+            <a:avLst/>
+          </a:prstGeom>
+          <a:noFill/>
+        </p:spPr>
+        <p:txBody>
+          <a:bodyPr wrap="square" rtlCol="0">
+            <a:spAutoFit/>
+          </a:bodyPr>
+          <a:lstStyle/>
+          <a:p>
+            <a:r>
+              <a:rPr lang="en-US" dirty="0" smtClean="0"/>
+              <a:t>Weight increases from </a:t>
+            </a:r>
+            <a:r>
+              <a:rPr lang="en-US" dirty="0" smtClean="0">
+                <a:solidFill>
+                  <a:srgbClr val="0000FF"/>
+                </a:solidFill>
+              </a:rPr>
+              <a:t>cluster 3</a:t>
+            </a:r>
+            <a:r>
+              <a:rPr lang="en-US" dirty="0" smtClean="0"/>
+              <a:t> to </a:t>
+            </a:r>
+            <a:r>
+              <a:rPr lang="en-US" dirty="0" smtClean="0">
+                <a:solidFill>
+                  <a:srgbClr val="FF0000"/>
+                </a:solidFill>
+              </a:rPr>
+              <a:t>cluster 0</a:t>
+            </a:r>
+            <a:r>
+              <a:rPr lang="en-US" dirty="0" smtClean="0"/>
+              <a:t>!</a:t>
+            </a:r>
+          </a:p>
+          <a:p>
+            <a:endParaRPr lang="en-US" dirty="0"/>
+          </a:p>
+          <a:p>
+            <a:r>
+              <a:rPr lang="en-US" dirty="0" smtClean="0"/>
+              <a:t>Income change is substantial. </a:t>
+            </a:r>
+            <a:endParaRPr lang="en-US" dirty="0"/>
+          </a:p>
+        </p:txBody>
+      </p:sp>
     </p:spTree>
     <p:extLst>
       <p:ext uri="{BB962C8B-B14F-4D97-AF65-F5344CB8AC3E}">
-        <p14:creationId xmlns:p14="http://schemas.microsoft.com/office/powerpoint/2010/main" val="2565630791"/>
+        <p14:creationId xmlns:p14="http://schemas.microsoft.com/office/powerpoint/2010/main" val="3967272097"/>
       </p:ext>
     </p:extLst>
   </p:cSld>
   <p:clrMapOvr>
     <a:masterClrMapping/>
   </p:clrMapOvr>
+  <p:timing>
+    <p:tnLst>
+      <p:par>
+        <p:cTn xmlns:p14="http://schemas.microsoft.com/office/powerpoint/2010/main" id="1" dur="indefinite" restart="never" nodeType="tmRoot"/>
+      </p:par>
+    </p:tnLst>
+  </p:timing>
 </p:sld>
 </file>
 
@@ -5002,7 +5922,7 @@
         </p:blipFill>
         <p:spPr>
           <a:xfrm>
-            <a:off x="491280" y="0"/>
+            <a:off x="224742" y="0"/>
             <a:ext cx="6777990" cy="6858000"/>
           </a:xfrm>
           <a:prstGeom prst="rect">
@@ -5019,7 +5939,7 @@
         <p:spPr>
           <a:xfrm>
             <a:off x="7384182" y="2446066"/>
-            <a:ext cx="1759818" cy="2031325"/>
+            <a:ext cx="1759818" cy="2308324"/>
           </a:xfrm>
           <a:prstGeom prst="rect">
             <a:avLst/>
@@ -5034,7 +5954,7 @@
           <a:p>
             <a:r>
               <a:rPr lang="en-US" dirty="0" smtClean="0"/>
-              <a:t>Weight increases from </a:t>
+              <a:t>Horoscope matching: </a:t>
             </a:r>
             <a:r>
               <a:rPr lang="en-US" dirty="0" smtClean="0">
@@ -5046,20 +5966,17 @@
             </a:r>
             <a:r>
               <a:rPr lang="en-US" dirty="0" smtClean="0"/>
-              <a:t> to </a:t>
-            </a:r>
-            <a:r>
-              <a:rPr lang="en-US" dirty="0" smtClean="0">
-                <a:solidFill>
-                  <a:srgbClr val="FF0000"/>
-                </a:solidFill>
-              </a:rPr>
-              <a:t>cluster 0</a:t>
-            </a:r>
-            <a:r>
-              <a:rPr lang="en-US" dirty="0" smtClean="0"/>
-              <a:t>!</a:t>
-            </a:r>
+              <a:t> people want this </a:t>
+            </a:r>
+            <a:r>
+              <a:rPr lang="en-US" dirty="0" smtClean="0"/>
+              <a:t>much </a:t>
+            </a:r>
+            <a:r>
+              <a:rPr lang="en-US" dirty="0" smtClean="0"/>
+              <a:t>more. </a:t>
+            </a:r>
+            <a:endParaRPr lang="en-US" dirty="0" smtClean="0"/>
           </a:p>
           <a:p>
             <a:endParaRPr lang="en-US" dirty="0"/>
@@ -5067,7 +5984,17 @@
           <a:p>
             <a:r>
               <a:rPr lang="en-US" dirty="0" smtClean="0"/>
-              <a:t>Income change is substantial. </a:t>
+              <a:t>1 = yes</a:t>
+            </a:r>
+          </a:p>
+          <a:p>
+            <a:r>
+              <a:rPr lang="en-US" dirty="0"/>
+              <a:t>0</a:t>
+            </a:r>
+            <a:r>
+              <a:rPr lang="en-US" dirty="0" smtClean="0"/>
+              <a:t> = no</a:t>
             </a:r>
             <a:endParaRPr lang="en-US" dirty="0"/>
           </a:p>
@@ -5076,7 +6003,7 @@
     </p:spTree>
     <p:extLst>
       <p:ext uri="{BB962C8B-B14F-4D97-AF65-F5344CB8AC3E}">
-        <p14:creationId xmlns:p14="http://schemas.microsoft.com/office/powerpoint/2010/main" val="3967272097"/>
+        <p14:creationId xmlns:p14="http://schemas.microsoft.com/office/powerpoint/2010/main" val="4293607663"/>
       </p:ext>
     </p:extLst>
   </p:cSld>
@@ -5126,8 +6053,8 @@
         </p:blipFill>
         <p:spPr>
           <a:xfrm>
-            <a:off x="224742" y="0"/>
-            <a:ext cx="6777990" cy="6858000"/>
+            <a:off x="516668" y="0"/>
+            <a:ext cx="6709162" cy="6858000"/>
           </a:xfrm>
           <a:prstGeom prst="rect">
             <a:avLst/>
@@ -5136,14 +6063,14 @@
       </p:pic>
       <p:sp>
         <p:nvSpPr>
-          <p:cNvPr id="5" name="TextBox 4"/>
+          <p:cNvPr id="3" name="TextBox 2"/>
           <p:cNvSpPr txBox="1"/>
           <p:nvPr/>
         </p:nvSpPr>
         <p:spPr>
           <a:xfrm>
             <a:off x="7384182" y="2446066"/>
-            <a:ext cx="1759818" cy="1477328"/>
+            <a:ext cx="1759818" cy="2308324"/>
           </a:xfrm>
           <a:prstGeom prst="rect">
             <a:avLst/>
@@ -5157,20 +6084,34 @@
           <a:lstStyle/>
           <a:p>
             <a:r>
-              <a:rPr lang="en-US" dirty="0" smtClean="0"/>
-              <a:t>Horoscope matching: </a:t>
-            </a:r>
-            <a:r>
-              <a:rPr lang="en-US" dirty="0" smtClean="0">
-                <a:solidFill>
-                  <a:srgbClr val="0000FF"/>
-                </a:solidFill>
-              </a:rPr>
-              <a:t>cluster 3</a:t>
-            </a:r>
-            <a:r>
-              <a:rPr lang="en-US" dirty="0" smtClean="0"/>
-              <a:t> people want this much more. </a:t>
+              <a:rPr lang="en-US" b="1" dirty="0" smtClean="0"/>
+              <a:t>Income </a:t>
+            </a:r>
+            <a:r>
+              <a:rPr lang="en-US" b="1" dirty="0" err="1" smtClean="0"/>
+              <a:t>vs</a:t>
+            </a:r>
+            <a:r>
+              <a:rPr lang="en-US" b="1" dirty="0" smtClean="0"/>
+              <a:t> Live with Parents?</a:t>
+            </a:r>
+          </a:p>
+          <a:p>
+            <a:endParaRPr lang="en-US" dirty="0"/>
+          </a:p>
+          <a:p>
+            <a:r>
+              <a:rPr lang="en-US" dirty="0" smtClean="0"/>
+              <a:t>1 = live with parents</a:t>
+            </a:r>
+          </a:p>
+          <a:p>
+            <a:endParaRPr lang="en-US" dirty="0" smtClean="0"/>
+          </a:p>
+          <a:p>
+            <a:r>
+              <a:rPr lang="en-US" dirty="0" smtClean="0"/>
+              <a:t>0 = don’t live with parents</a:t>
             </a:r>
             <a:endParaRPr lang="en-US" dirty="0"/>
           </a:p>
@@ -5179,13 +6120,20 @@
     </p:spTree>
     <p:extLst>
       <p:ext uri="{BB962C8B-B14F-4D97-AF65-F5344CB8AC3E}">
-        <p14:creationId xmlns:p14="http://schemas.microsoft.com/office/powerpoint/2010/main" val="4293607663"/>
+        <p14:creationId xmlns:p14="http://schemas.microsoft.com/office/powerpoint/2010/main" val="467902816"/>
       </p:ext>
     </p:extLst>
   </p:cSld>
   <p:clrMapOvr>
     <a:masterClrMapping/>
   </p:clrMapOvr>
+  <p:timing>
+    <p:tnLst>
+      <p:par>
+        <p:cTn xmlns:p14="http://schemas.microsoft.com/office/powerpoint/2010/main" id="1" dur="indefinite" restart="never" nodeType="tmRoot"/>
+      </p:par>
+    </p:tnLst>
+  </p:timing>
 </p:sld>
 </file>
 
@@ -5222,18 +6170,79 @@
         </p:blipFill>
         <p:spPr>
           <a:xfrm>
-            <a:off x="1206500" y="0"/>
-            <a:ext cx="6709162" cy="6858000"/>
+            <a:off x="503968" y="0"/>
+            <a:ext cx="6754958" cy="6858000"/>
           </a:xfrm>
           <a:prstGeom prst="rect">
             <a:avLst/>
           </a:prstGeom>
         </p:spPr>
       </p:pic>
+      <p:sp>
+        <p:nvSpPr>
+          <p:cNvPr id="3" name="TextBox 2"/>
+          <p:cNvSpPr txBox="1"/>
+          <p:nvPr/>
+        </p:nvSpPr>
+        <p:spPr>
+          <a:xfrm>
+            <a:off x="7384182" y="2446066"/>
+            <a:ext cx="1759818" cy="2308324"/>
+          </a:xfrm>
+          <a:prstGeom prst="rect">
+            <a:avLst/>
+          </a:prstGeom>
+          <a:noFill/>
+        </p:spPr>
+        <p:txBody>
+          <a:bodyPr wrap="square" rtlCol="0">
+            <a:spAutoFit/>
+          </a:bodyPr>
+          <a:lstStyle/>
+          <a:p>
+            <a:r>
+              <a:rPr lang="en-US" b="1" dirty="0" smtClean="0"/>
+              <a:t>Height </a:t>
+            </a:r>
+            <a:r>
+              <a:rPr lang="en-US" b="1" dirty="0" err="1"/>
+              <a:t>vs</a:t>
+            </a:r>
+            <a:r>
+              <a:rPr lang="en-US" b="1" dirty="0"/>
+              <a:t> Live with Parents</a:t>
+            </a:r>
+            <a:r>
+              <a:rPr lang="en-US" b="1" dirty="0" smtClean="0"/>
+              <a:t>?</a:t>
+            </a:r>
+            <a:endParaRPr lang="en-US" dirty="0" smtClean="0"/>
+          </a:p>
+          <a:p>
+            <a:endParaRPr lang="en-US" dirty="0"/>
+          </a:p>
+          <a:p>
+            <a:r>
+              <a:rPr lang="en-US" dirty="0" smtClean="0"/>
+              <a:t>1 = live with parents</a:t>
+            </a:r>
+          </a:p>
+          <a:p>
+            <a:endParaRPr lang="en-US" dirty="0" smtClean="0"/>
+          </a:p>
+          <a:p>
+            <a:r>
+              <a:rPr lang="en-US" dirty="0" smtClean="0"/>
+              <a:t>0 = don’t live with parents</a:t>
+            </a:r>
+            <a:endParaRPr lang="en-US" dirty="0"/>
+          </a:p>
+        </p:txBody>
+      </p:sp>
     </p:spTree>
     <p:extLst>
       <p:ext uri="{BB962C8B-B14F-4D97-AF65-F5344CB8AC3E}">
-        <p14:creationId xmlns:p14="http://schemas.microsoft.com/office/powerpoint/2010/main" val="467902816"/>
+        <p14:creationId xmlns:p14="http://schemas.microsoft.com/office/powerpoint/2010/main" val="3181634732"/>
       </p:ext>
     </p:extLst>
   </p:cSld>

--- a/presentations/kmeans_clustering.pptx
+++ b/presentations/kmeans_clustering.pptx
@@ -4899,15 +4899,7 @@
                   <a:srgbClr val="3366FF"/>
                 </a:solidFill>
               </a:rPr>
-              <a:t>Marital status: more divorced/separated/widowed/</a:t>
-            </a:r>
-            <a:r>
-              <a:rPr lang="en-US" dirty="0" smtClean="0">
-                <a:solidFill>
-                  <a:srgbClr val="3366FF"/>
-                </a:solidFill>
-              </a:rPr>
-              <a:t>annulled</a:t>
+              <a:t>Marital status: more divorced/separated/widowed/annulled</a:t>
             </a:r>
           </a:p>
           <a:p>
@@ -5966,17 +5958,8 @@
             </a:r>
             <a:r>
               <a:rPr lang="en-US" dirty="0" smtClean="0"/>
-              <a:t> people want this </a:t>
-            </a:r>
-            <a:r>
-              <a:rPr lang="en-US" dirty="0" smtClean="0"/>
-              <a:t>much </a:t>
-            </a:r>
-            <a:r>
-              <a:rPr lang="en-US" dirty="0" smtClean="0"/>
-              <a:t>more. </a:t>
-            </a:r>
-            <a:endParaRPr lang="en-US" dirty="0" smtClean="0"/>
+              <a:t> people want this much more. </a:t>
+            </a:r>
           </a:p>
           <a:p>
             <a:endParaRPr lang="en-US" dirty="0"/>

--- a/presentations/kmeans_clustering.pptx
+++ b/presentations/kmeans_clustering.pptx
@@ -306,7 +306,7 @@
           <a:p>
             <a:fld id="{70B5A9F8-2D01-244F-BBDF-79D1EB9E2008}" type="datetimeFigureOut">
               <a:rPr lang="en-US" smtClean="0"/>
-              <a:t>1/6/14</a:t>
+              <a:t>1/16/14</a:t>
             </a:fld>
             <a:endParaRPr lang="en-US"/>
           </a:p>
@@ -476,7 +476,7 @@
           <a:p>
             <a:fld id="{70B5A9F8-2D01-244F-BBDF-79D1EB9E2008}" type="datetimeFigureOut">
               <a:rPr lang="en-US" smtClean="0"/>
-              <a:t>1/6/14</a:t>
+              <a:t>1/16/14</a:t>
             </a:fld>
             <a:endParaRPr lang="en-US"/>
           </a:p>
@@ -656,7 +656,7 @@
           <a:p>
             <a:fld id="{70B5A9F8-2D01-244F-BBDF-79D1EB9E2008}" type="datetimeFigureOut">
               <a:rPr lang="en-US" smtClean="0"/>
-              <a:t>1/6/14</a:t>
+              <a:t>1/16/14</a:t>
             </a:fld>
             <a:endParaRPr lang="en-US"/>
           </a:p>
@@ -826,7 +826,7 @@
           <a:p>
             <a:fld id="{70B5A9F8-2D01-244F-BBDF-79D1EB9E2008}" type="datetimeFigureOut">
               <a:rPr lang="en-US" smtClean="0"/>
-              <a:t>1/6/14</a:t>
+              <a:t>1/16/14</a:t>
             </a:fld>
             <a:endParaRPr lang="en-US"/>
           </a:p>
@@ -1072,7 +1072,7 @@
           <a:p>
             <a:fld id="{70B5A9F8-2D01-244F-BBDF-79D1EB9E2008}" type="datetimeFigureOut">
               <a:rPr lang="en-US" smtClean="0"/>
-              <a:t>1/6/14</a:t>
+              <a:t>1/16/14</a:t>
             </a:fld>
             <a:endParaRPr lang="en-US"/>
           </a:p>
@@ -1360,7 +1360,7 @@
           <a:p>
             <a:fld id="{70B5A9F8-2D01-244F-BBDF-79D1EB9E2008}" type="datetimeFigureOut">
               <a:rPr lang="en-US" smtClean="0"/>
-              <a:t>1/6/14</a:t>
+              <a:t>1/16/14</a:t>
             </a:fld>
             <a:endParaRPr lang="en-US"/>
           </a:p>
@@ -1782,7 +1782,7 @@
           <a:p>
             <a:fld id="{70B5A9F8-2D01-244F-BBDF-79D1EB9E2008}" type="datetimeFigureOut">
               <a:rPr lang="en-US" smtClean="0"/>
-              <a:t>1/6/14</a:t>
+              <a:t>1/16/14</a:t>
             </a:fld>
             <a:endParaRPr lang="en-US"/>
           </a:p>
@@ -1900,7 +1900,7 @@
           <a:p>
             <a:fld id="{70B5A9F8-2D01-244F-BBDF-79D1EB9E2008}" type="datetimeFigureOut">
               <a:rPr lang="en-US" smtClean="0"/>
-              <a:t>1/6/14</a:t>
+              <a:t>1/16/14</a:t>
             </a:fld>
             <a:endParaRPr lang="en-US"/>
           </a:p>
@@ -1995,7 +1995,7 @@
           <a:p>
             <a:fld id="{70B5A9F8-2D01-244F-BBDF-79D1EB9E2008}" type="datetimeFigureOut">
               <a:rPr lang="en-US" smtClean="0"/>
-              <a:t>1/6/14</a:t>
+              <a:t>1/16/14</a:t>
             </a:fld>
             <a:endParaRPr lang="en-US"/>
           </a:p>
@@ -2272,7 +2272,7 @@
           <a:p>
             <a:fld id="{70B5A9F8-2D01-244F-BBDF-79D1EB9E2008}" type="datetimeFigureOut">
               <a:rPr lang="en-US" smtClean="0"/>
-              <a:t>1/6/14</a:t>
+              <a:t>1/16/14</a:t>
             </a:fld>
             <a:endParaRPr lang="en-US"/>
           </a:p>
@@ -2525,7 +2525,7 @@
           <a:p>
             <a:fld id="{70B5A9F8-2D01-244F-BBDF-79D1EB9E2008}" type="datetimeFigureOut">
               <a:rPr lang="en-US" smtClean="0"/>
-              <a:t>1/6/14</a:t>
+              <a:t>1/16/14</a:t>
             </a:fld>
             <a:endParaRPr lang="en-US"/>
           </a:p>
@@ -2738,7 +2738,7 @@
           <a:p>
             <a:fld id="{70B5A9F8-2D01-244F-BBDF-79D1EB9E2008}" type="datetimeFigureOut">
               <a:rPr lang="en-US" smtClean="0"/>
-              <a:t>1/6/14</a:t>
+              <a:t>1/16/14</a:t>
             </a:fld>
             <a:endParaRPr lang="en-US"/>
           </a:p>
@@ -4701,16 +4701,15 @@
           </p:cNvPicPr>
           <p:nvPr/>
         </p:nvPicPr>
-        <p:blipFill>
+        <p:blipFill rotWithShape="1">
           <a:blip r:embed="rId2"/>
-          <a:stretch>
-            <a:fillRect/>
-          </a:stretch>
+          <a:srcRect t="28743"/>
+          <a:stretch/>
         </p:blipFill>
         <p:spPr>
           <a:xfrm>
-            <a:off x="1937318" y="0"/>
-            <a:ext cx="4665389" cy="6858000"/>
+            <a:off x="131110" y="1971226"/>
+            <a:ext cx="4665389" cy="4886773"/>
           </a:xfrm>
           <a:prstGeom prst="rect">
             <a:avLst/>
@@ -4719,88 +4718,13 @@
       </p:pic>
       <p:sp>
         <p:nvSpPr>
-          <p:cNvPr id="6" name="TextBox 5"/>
-          <p:cNvSpPr txBox="1"/>
-          <p:nvPr/>
-        </p:nvSpPr>
-        <p:spPr>
-          <a:xfrm>
-            <a:off x="31352" y="2743987"/>
-            <a:ext cx="1818610" cy="1200329"/>
-          </a:xfrm>
-          <a:prstGeom prst="rect">
-            <a:avLst/>
-          </a:prstGeom>
-          <a:noFill/>
-        </p:spPr>
-        <p:txBody>
-          <a:bodyPr wrap="square" rtlCol="0">
-            <a:spAutoFit/>
-          </a:bodyPr>
-          <a:lstStyle/>
-          <a:p>
-            <a:pPr algn="ctr"/>
-            <a:r>
-              <a:rPr lang="en-US" sz="3600" dirty="0" smtClean="0"/>
-              <a:t>Centroid table</a:t>
-            </a:r>
-            <a:endParaRPr lang="en-US" sz="3600" dirty="0"/>
-          </a:p>
-        </p:txBody>
-      </p:sp>
-      <p:sp>
-        <p:nvSpPr>
-          <p:cNvPr id="7" name="Rounded Rectangle 6"/>
-          <p:cNvSpPr/>
-          <p:nvPr/>
-        </p:nvSpPr>
-        <p:spPr>
-          <a:xfrm>
-            <a:off x="2837654" y="250878"/>
-            <a:ext cx="3621541" cy="1175994"/>
-          </a:xfrm>
-          <a:prstGeom prst="roundRect">
-            <a:avLst/>
-          </a:prstGeom>
-          <a:noFill/>
-          <a:ln>
-            <a:solidFill>
-              <a:srgbClr val="FF0000"/>
-            </a:solidFill>
-          </a:ln>
-        </p:spPr>
-        <p:style>
-          <a:lnRef idx="1">
-            <a:schemeClr val="accent1"/>
-          </a:lnRef>
-          <a:fillRef idx="3">
-            <a:schemeClr val="accent1"/>
-          </a:fillRef>
-          <a:effectRef idx="2">
-            <a:schemeClr val="accent1"/>
-          </a:effectRef>
-          <a:fontRef idx="minor">
-            <a:schemeClr val="lt1"/>
-          </a:fontRef>
-        </p:style>
-        <p:txBody>
-          <a:bodyPr rtlCol="0" anchor="ctr"/>
-          <a:lstStyle/>
-          <a:p>
-            <a:pPr algn="ctr"/>
-            <a:endParaRPr lang="en-US"/>
-          </a:p>
-        </p:txBody>
-      </p:sp>
-      <p:sp>
-        <p:nvSpPr>
           <p:cNvPr id="8" name="Rounded Rectangle 7"/>
           <p:cNvSpPr/>
           <p:nvPr/>
         </p:nvSpPr>
         <p:spPr>
           <a:xfrm>
-            <a:off x="2837654" y="1485193"/>
+            <a:off x="1031446" y="1485193"/>
             <a:ext cx="3621541" cy="239597"/>
           </a:xfrm>
           <a:prstGeom prst="roundRect">
@@ -4838,157 +4762,13 @@
       </p:sp>
       <p:sp>
         <p:nvSpPr>
-          <p:cNvPr id="9" name="TextBox 8"/>
-          <p:cNvSpPr txBox="1"/>
-          <p:nvPr/>
-        </p:nvSpPr>
-        <p:spPr>
-          <a:xfrm>
-            <a:off x="6602707" y="38383"/>
-            <a:ext cx="2541293" cy="7063473"/>
-          </a:xfrm>
-          <a:prstGeom prst="rect">
-            <a:avLst/>
-          </a:prstGeom>
-          <a:noFill/>
-        </p:spPr>
-        <p:txBody>
-          <a:bodyPr wrap="square" rtlCol="0">
-            <a:spAutoFit/>
-          </a:bodyPr>
-          <a:lstStyle/>
-          <a:p>
-            <a:pPr algn="ctr"/>
-            <a:r>
-              <a:rPr lang="en-US" sz="1900" dirty="0" smtClean="0"/>
-              <a:t>Going from cluster 3 to cluster 0:</a:t>
-            </a:r>
-            <a:endParaRPr lang="en-US" sz="1900" dirty="0">
-              <a:solidFill>
-                <a:srgbClr val="FF0000"/>
-              </a:solidFill>
-            </a:endParaRPr>
-          </a:p>
-          <a:p>
-            <a:pPr algn="ctr"/>
-            <a:r>
-              <a:rPr lang="en-US" dirty="0" smtClean="0">
-                <a:solidFill>
-                  <a:srgbClr val="FF0000"/>
-                </a:solidFill>
-              </a:rPr>
-              <a:t>Red attributes show a clear increase</a:t>
-            </a:r>
-          </a:p>
-          <a:p>
-            <a:pPr algn="ctr"/>
-            <a:r>
-              <a:rPr lang="en-US" dirty="0" smtClean="0">
-                <a:solidFill>
-                  <a:srgbClr val="008000"/>
-                </a:solidFill>
-              </a:rPr>
-              <a:t>Green attributes (desired partner’s weight, importance of caste, # of brothers/sisters) decrease</a:t>
-            </a:r>
-          </a:p>
-          <a:p>
-            <a:pPr algn="ctr"/>
-            <a:r>
-              <a:rPr lang="en-US" dirty="0" smtClean="0">
-                <a:solidFill>
-                  <a:srgbClr val="3366FF"/>
-                </a:solidFill>
-              </a:rPr>
-              <a:t>Marital status: more divorced/separated/widowed/annulled</a:t>
-            </a:r>
-          </a:p>
-          <a:p>
-            <a:pPr algn="ctr"/>
-            <a:r>
-              <a:rPr lang="en-US" dirty="0" smtClean="0">
-                <a:solidFill>
-                  <a:srgbClr val="3366FF"/>
-                </a:solidFill>
-              </a:rPr>
-              <a:t>Horoscope: most imp for cluster 0 and 3</a:t>
-            </a:r>
-            <a:endParaRPr lang="en-US" dirty="0">
-              <a:solidFill>
-                <a:srgbClr val="3366FF"/>
-              </a:solidFill>
-            </a:endParaRPr>
-          </a:p>
-          <a:p>
-            <a:pPr algn="ctr"/>
-            <a:r>
-              <a:rPr lang="en-US" dirty="0" smtClean="0">
-                <a:solidFill>
-                  <a:srgbClr val="3366FF"/>
-                </a:solidFill>
-              </a:rPr>
-              <a:t> </a:t>
-            </a:r>
-            <a:r>
-              <a:rPr lang="en-US" dirty="0" smtClean="0">
-                <a:solidFill>
-                  <a:srgbClr val="FF0000"/>
-                </a:solidFill>
-              </a:rPr>
-              <a:t>Values: becomes more liberal. Complexion: becomes fairer. Body type: becomes more athletic, less slim</a:t>
-            </a:r>
-          </a:p>
-          <a:p>
-            <a:pPr algn="ctr"/>
-            <a:r>
-              <a:rPr lang="en-US" dirty="0" smtClean="0">
-                <a:solidFill>
-                  <a:srgbClr val="FF0000"/>
-                </a:solidFill>
-              </a:rPr>
-              <a:t>Caste: less important</a:t>
-            </a:r>
-          </a:p>
-          <a:p>
-            <a:pPr algn="ctr"/>
-            <a:r>
-              <a:rPr lang="en-US" dirty="0" smtClean="0">
-                <a:solidFill>
-                  <a:srgbClr val="FF0000"/>
-                </a:solidFill>
-              </a:rPr>
-              <a:t>Created for: more-often by self</a:t>
-            </a:r>
-          </a:p>
-          <a:p>
-            <a:pPr algn="ctr"/>
-            <a:r>
-              <a:rPr lang="en-US" dirty="0" smtClean="0">
-                <a:solidFill>
-                  <a:srgbClr val="FF0000"/>
-                </a:solidFill>
-              </a:rPr>
-              <a:t>Living situation: Living by self, not with parents</a:t>
-            </a:r>
-          </a:p>
-          <a:p>
-            <a:pPr algn="ctr"/>
-            <a:endParaRPr lang="en-US" sz="1900" dirty="0">
-              <a:solidFill>
-                <a:srgbClr val="FF0000"/>
-              </a:solidFill>
-            </a:endParaRPr>
-          </a:p>
-        </p:txBody>
-      </p:sp>
-      <p:sp>
-        <p:nvSpPr>
           <p:cNvPr id="11" name="Rounded Rectangle 10"/>
           <p:cNvSpPr/>
           <p:nvPr/>
         </p:nvSpPr>
         <p:spPr>
           <a:xfrm>
-            <a:off x="2848951" y="1971227"/>
+            <a:off x="1070353" y="1971227"/>
             <a:ext cx="3621541" cy="427799"/>
           </a:xfrm>
           <a:prstGeom prst="roundRect">
@@ -5032,7 +4812,7 @@
         </p:nvSpPr>
         <p:spPr>
           <a:xfrm>
-            <a:off x="2864629" y="2430386"/>
+            <a:off x="1058421" y="2430386"/>
             <a:ext cx="741235" cy="235199"/>
           </a:xfrm>
           <a:prstGeom prst="roundRect">
@@ -5041,7 +4821,7 @@
           <a:noFill/>
           <a:ln>
             <a:solidFill>
-              <a:srgbClr val="3366FF"/>
+              <a:srgbClr val="FF6600"/>
             </a:solidFill>
           </a:ln>
         </p:spPr>
@@ -5064,7 +4844,11 @@
           <a:lstStyle/>
           <a:p>
             <a:pPr algn="ctr"/>
-            <a:endParaRPr lang="en-US"/>
+            <a:endParaRPr lang="en-US">
+              <a:solidFill>
+                <a:srgbClr val="FFFF00"/>
+              </a:solidFill>
+            </a:endParaRPr>
           </a:p>
         </p:txBody>
       </p:sp>
@@ -5076,7 +4860,7 @@
         </p:nvSpPr>
         <p:spPr>
           <a:xfrm>
-            <a:off x="2837654" y="6571322"/>
+            <a:off x="1031446" y="6571322"/>
             <a:ext cx="3621541" cy="249440"/>
           </a:xfrm>
           <a:prstGeom prst="roundRect">
@@ -5120,7 +4904,7 @@
         </p:nvSpPr>
         <p:spPr>
           <a:xfrm>
-            <a:off x="2864629" y="3944316"/>
+            <a:off x="1058421" y="3944316"/>
             <a:ext cx="3621541" cy="696938"/>
           </a:xfrm>
           <a:prstGeom prst="roundRect">
@@ -5164,7 +4948,7 @@
         </p:nvSpPr>
         <p:spPr>
           <a:xfrm>
-            <a:off x="2848952" y="5613407"/>
+            <a:off x="1042744" y="5613407"/>
             <a:ext cx="3621541" cy="481675"/>
           </a:xfrm>
           <a:prstGeom prst="roundRect">
@@ -5208,7 +4992,7 @@
         </p:nvSpPr>
         <p:spPr>
           <a:xfrm>
-            <a:off x="2848952" y="6122043"/>
+            <a:off x="1042744" y="6122043"/>
             <a:ext cx="3621541" cy="449279"/>
           </a:xfrm>
           <a:prstGeom prst="roundRect">
@@ -5252,7 +5036,7 @@
         </p:nvSpPr>
         <p:spPr>
           <a:xfrm>
-            <a:off x="2837654" y="4898971"/>
+            <a:off x="1031446" y="4898971"/>
             <a:ext cx="3621541" cy="471461"/>
           </a:xfrm>
           <a:prstGeom prst="roundRect">
@@ -5296,7 +5080,7 @@
         </p:nvSpPr>
         <p:spPr>
           <a:xfrm>
-            <a:off x="2848951" y="4641254"/>
+            <a:off x="1042743" y="4641254"/>
             <a:ext cx="3621541" cy="257717"/>
           </a:xfrm>
           <a:prstGeom prst="roundRect">
@@ -5340,7 +5124,7 @@
         </p:nvSpPr>
         <p:spPr>
           <a:xfrm>
-            <a:off x="2837654" y="2676866"/>
+            <a:off x="1031446" y="2676866"/>
             <a:ext cx="3621541" cy="239597"/>
           </a:xfrm>
           <a:prstGeom prst="roundRect">
@@ -5384,7 +5168,7 @@
         </p:nvSpPr>
         <p:spPr>
           <a:xfrm>
-            <a:off x="2864629" y="3440740"/>
+            <a:off x="1058421" y="3440740"/>
             <a:ext cx="3621541" cy="228359"/>
           </a:xfrm>
           <a:prstGeom prst="roundRect">
@@ -5428,7 +5212,7 @@
         </p:nvSpPr>
         <p:spPr>
           <a:xfrm>
-            <a:off x="2875927" y="3178626"/>
+            <a:off x="1069719" y="3178626"/>
             <a:ext cx="729937" cy="235199"/>
           </a:xfrm>
           <a:prstGeom prst="roundRect">
@@ -5472,7 +5256,7 @@
         </p:nvSpPr>
         <p:spPr>
           <a:xfrm>
-            <a:off x="5635194" y="3178626"/>
+            <a:off x="3828986" y="3178626"/>
             <a:ext cx="745620" cy="235199"/>
           </a:xfrm>
           <a:prstGeom prst="roundRect">
@@ -5482,6 +5266,612 @@
           <a:ln>
             <a:solidFill>
               <a:srgbClr val="3366FF"/>
+            </a:solidFill>
+          </a:ln>
+        </p:spPr>
+        <p:style>
+          <a:lnRef idx="1">
+            <a:schemeClr val="accent1"/>
+          </a:lnRef>
+          <a:fillRef idx="3">
+            <a:schemeClr val="accent1"/>
+          </a:fillRef>
+          <a:effectRef idx="2">
+            <a:schemeClr val="accent1"/>
+          </a:effectRef>
+          <a:fontRef idx="minor">
+            <a:schemeClr val="lt1"/>
+          </a:fontRef>
+        </p:style>
+        <p:txBody>
+          <a:bodyPr rtlCol="0" anchor="ctr"/>
+          <a:lstStyle/>
+          <a:p>
+            <a:pPr algn="ctr"/>
+            <a:endParaRPr lang="en-US"/>
+          </a:p>
+        </p:txBody>
+      </p:sp>
+      <p:graphicFrame>
+        <p:nvGraphicFramePr>
+          <p:cNvPr id="2" name="Table 1"/>
+          <p:cNvGraphicFramePr>
+            <a:graphicFrameLocks noGrp="1"/>
+          </p:cNvGraphicFramePr>
+          <p:nvPr>
+            <p:extLst>
+              <p:ext uri="{D42A27DB-BD31-4B8C-83A1-F6EECF244321}">
+                <p14:modId xmlns:p14="http://schemas.microsoft.com/office/powerpoint/2010/main" val="1447362722"/>
+              </p:ext>
+            </p:extLst>
+          </p:nvPr>
+        </p:nvGraphicFramePr>
+        <p:xfrm>
+          <a:off x="4796499" y="315708"/>
+          <a:ext cx="4134556" cy="6504912"/>
+        </p:xfrm>
+        <a:graphic>
+          <a:graphicData uri="http://schemas.openxmlformats.org/drawingml/2006/table">
+            <a:tbl>
+              <a:tblPr firstRow="1" bandRow="1">
+                <a:tableStyleId>{2D5ABB26-0587-4C30-8999-92F81FD0307C}</a:tableStyleId>
+              </a:tblPr>
+              <a:tblGrid>
+                <a:gridCol w="4134556"/>
+              </a:tblGrid>
+              <a:tr h="244368">
+                <a:tc>
+                  <a:txBody>
+                    <a:bodyPr/>
+                    <a:lstStyle/>
+                    <a:p>
+                      <a:r>
+                        <a:rPr lang="en-US" sz="1200" b="1" dirty="0" smtClean="0"/>
+                        <a:t>Explanation (DM</a:t>
+                      </a:r>
+                      <a:r>
+                        <a:rPr lang="en-US" sz="1200" b="1" baseline="0" dirty="0" smtClean="0"/>
+                        <a:t> = Doesn’t Matter)</a:t>
+                      </a:r>
+                      <a:endParaRPr lang="en-US" sz="1200" b="1" dirty="0"/>
+                    </a:p>
+                  </a:txBody>
+                  <a:tcPr marL="45720" marR="45720" marT="0" marB="0"/>
+                </a:tc>
+              </a:tr>
+              <a:tr h="244368">
+                <a:tc>
+                  <a:txBody>
+                    <a:bodyPr/>
+                    <a:lstStyle/>
+                    <a:p>
+                      <a:r>
+                        <a:rPr lang="en-US" sz="1200" dirty="0" smtClean="0"/>
+                        <a:t>Age in years</a:t>
+                      </a:r>
+                      <a:endParaRPr lang="en-US" sz="1200" dirty="0"/>
+                    </a:p>
+                  </a:txBody>
+                  <a:tcPr marL="45720" marR="45720" marT="0" marB="0"/>
+                </a:tc>
+              </a:tr>
+              <a:tr h="244368">
+                <a:tc>
+                  <a:txBody>
+                    <a:bodyPr/>
+                    <a:lstStyle/>
+                    <a:p>
+                      <a:r>
+                        <a:rPr lang="en-US" sz="1200" dirty="0" smtClean="0"/>
+                        <a:t>Female:</a:t>
+                      </a:r>
+                      <a:r>
+                        <a:rPr lang="en-US" sz="1200" baseline="0" dirty="0" smtClean="0"/>
+                        <a:t> 0, Male: 1</a:t>
+                      </a:r>
+                      <a:endParaRPr lang="en-US" sz="1200" dirty="0"/>
+                    </a:p>
+                  </a:txBody>
+                  <a:tcPr marL="45720" marR="45720" marT="0" marB="0"/>
+                </a:tc>
+              </a:tr>
+              <a:tr h="244368">
+                <a:tc>
+                  <a:txBody>
+                    <a:bodyPr/>
+                    <a:lstStyle/>
+                    <a:p>
+                      <a:r>
+                        <a:rPr lang="en-US" sz="1200" dirty="0" smtClean="0"/>
+                        <a:t>Income in US dollars</a:t>
+                      </a:r>
+                      <a:endParaRPr lang="en-US" sz="1200" dirty="0"/>
+                    </a:p>
+                  </a:txBody>
+                  <a:tcPr marL="45720" marR="45720" marT="0" marB="0"/>
+                </a:tc>
+              </a:tr>
+              <a:tr h="244368">
+                <a:tc>
+                  <a:txBody>
+                    <a:bodyPr/>
+                    <a:lstStyle/>
+                    <a:p>
+                      <a:r>
+                        <a:rPr lang="en-US" sz="1200" dirty="0" smtClean="0"/>
+                        <a:t>Height</a:t>
+                      </a:r>
+                      <a:r>
+                        <a:rPr lang="en-US" sz="1200" baseline="0" dirty="0" smtClean="0"/>
+                        <a:t> in inches</a:t>
+                      </a:r>
+                      <a:endParaRPr lang="en-US" sz="1200" dirty="0"/>
+                    </a:p>
+                  </a:txBody>
+                  <a:tcPr marL="45720" marR="45720" marT="0" marB="0"/>
+                </a:tc>
+              </a:tr>
+              <a:tr h="244368">
+                <a:tc>
+                  <a:txBody>
+                    <a:bodyPr/>
+                    <a:lstStyle/>
+                    <a:p>
+                      <a:r>
+                        <a:rPr lang="en-US" sz="1200" dirty="0" smtClean="0"/>
+                        <a:t>Weight in kg</a:t>
+                      </a:r>
+                      <a:endParaRPr lang="en-US" sz="1200" dirty="0"/>
+                    </a:p>
+                  </a:txBody>
+                  <a:tcPr marL="45720" marR="45720" marT="0" marB="0"/>
+                </a:tc>
+              </a:tr>
+              <a:tr h="244368">
+                <a:tc>
+                  <a:txBody>
+                    <a:bodyPr/>
+                    <a:lstStyle/>
+                    <a:p>
+                      <a:r>
+                        <a:rPr lang="en-US" sz="1200" dirty="0" smtClean="0"/>
+                        <a:t>Weight of desired partner in kg</a:t>
+                      </a:r>
+                      <a:endParaRPr lang="en-US" sz="1200" dirty="0"/>
+                    </a:p>
+                  </a:txBody>
+                  <a:tcPr marL="45720" marR="45720" marT="0" marB="0"/>
+                </a:tc>
+              </a:tr>
+              <a:tr h="244368">
+                <a:tc>
+                  <a:txBody>
+                    <a:bodyPr/>
+                    <a:lstStyle/>
+                    <a:p>
+                      <a:r>
+                        <a:rPr lang="en-US" sz="1200" dirty="0" smtClean="0"/>
+                        <a:t>DM:0, Jain: 1, Veg: 2, Veg with Eggs: 3, Non Veg:4</a:t>
+                      </a:r>
+                      <a:endParaRPr lang="en-US" sz="1200" dirty="0"/>
+                    </a:p>
+                  </a:txBody>
+                  <a:tcPr marL="45720" marR="45720" marT="0" marB="0"/>
+                </a:tc>
+              </a:tr>
+              <a:tr h="244368">
+                <a:tc>
+                  <a:txBody>
+                    <a:bodyPr/>
+                    <a:lstStyle/>
+                    <a:p>
+                      <a:r>
+                        <a:rPr lang="en-US" sz="1200" dirty="0" smtClean="0"/>
+                        <a:t>DM: 0, Middle: 1, Upper Middle : 2, High Class: 3, Rich/Affluent:4</a:t>
+                      </a:r>
+                      <a:endParaRPr lang="en-US" sz="1200" dirty="0"/>
+                    </a:p>
+                  </a:txBody>
+                  <a:tcPr marL="45720" marR="45720" marT="0" marB="0"/>
+                </a:tc>
+              </a:tr>
+              <a:tr h="244368">
+                <a:tc>
+                  <a:txBody>
+                    <a:bodyPr/>
+                    <a:lstStyle/>
+                    <a:p>
+                      <a:r>
+                        <a:rPr lang="en-US" sz="1200" dirty="0" smtClean="0"/>
+                        <a:t>DM: 0, Single: 1, Divorce: 2, Annulled: 3, Widowed: 4, Married: 5</a:t>
+                      </a:r>
+                      <a:endParaRPr lang="en-US" sz="1200" dirty="0"/>
+                    </a:p>
+                  </a:txBody>
+                  <a:tcPr marL="45720" marR="45720" marT="0" marB="0"/>
+                </a:tc>
+              </a:tr>
+              <a:tr h="244368">
+                <a:tc>
+                  <a:txBody>
+                    <a:bodyPr/>
+                    <a:lstStyle/>
+                    <a:p>
+                      <a:r>
+                        <a:rPr lang="en-US" sz="1200" dirty="0" smtClean="0"/>
+                        <a:t>DM: 0, Nuclear:</a:t>
+                      </a:r>
+                      <a:r>
+                        <a:rPr lang="en-US" sz="1200" baseline="0" dirty="0" smtClean="0"/>
+                        <a:t> 1, Joint: 2, Other: 3</a:t>
+                      </a:r>
+                      <a:endParaRPr lang="en-US" sz="1200" dirty="0"/>
+                    </a:p>
+                  </a:txBody>
+                  <a:tcPr marL="45720" marR="45720" marT="0" marB="0"/>
+                </a:tc>
+              </a:tr>
+              <a:tr h="244368">
+                <a:tc>
+                  <a:txBody>
+                    <a:bodyPr/>
+                    <a:lstStyle/>
+                    <a:p>
+                      <a:r>
+                        <a:rPr lang="en-US" sz="1200" dirty="0" smtClean="0"/>
+                        <a:t>No: 0, Yes: 1, Don’t Know: 2, DM: 3, Anshik: 4</a:t>
+                      </a:r>
+                      <a:endParaRPr lang="en-US" sz="1200" dirty="0"/>
+                    </a:p>
+                  </a:txBody>
+                  <a:tcPr marL="45720" marR="45720" marT="0" marB="0"/>
+                </a:tc>
+              </a:tr>
+              <a:tr h="244368">
+                <a:tc>
+                  <a:txBody>
+                    <a:bodyPr/>
+                    <a:lstStyle/>
+                    <a:p>
+                      <a:r>
+                        <a:rPr lang="en-US" sz="1200" dirty="0" smtClean="0"/>
+                        <a:t>Yes,</a:t>
+                      </a:r>
+                      <a:r>
+                        <a:rPr lang="en-US" sz="1200" baseline="0" dirty="0" smtClean="0"/>
+                        <a:t> want horoscope matching: 1, No don’t want: 0</a:t>
+                      </a:r>
+                      <a:endParaRPr lang="en-US" sz="1200" dirty="0"/>
+                    </a:p>
+                  </a:txBody>
+                  <a:tcPr marL="45720" marR="45720" marT="0" marB="0"/>
+                </a:tc>
+              </a:tr>
+              <a:tr h="244368">
+                <a:tc>
+                  <a:txBody>
+                    <a:bodyPr/>
+                    <a:lstStyle/>
+                    <a:p>
+                      <a:r>
+                        <a:rPr lang="en-US" sz="1200" dirty="0" smtClean="0"/>
+                        <a:t>DM:0, No: 1, Occasionally: 2, Yes: 3</a:t>
+                      </a:r>
+                      <a:endParaRPr lang="en-US" sz="1200" dirty="0"/>
+                    </a:p>
+                  </a:txBody>
+                  <a:tcPr marL="45720" marR="45720" marT="0" marB="0"/>
+                </a:tc>
+              </a:tr>
+              <a:tr h="244368">
+                <a:tc>
+                  <a:txBody>
+                    <a:bodyPr/>
+                    <a:lstStyle/>
+                    <a:p>
+                      <a:r>
+                        <a:rPr lang="tr-TR" sz="1200" dirty="0" smtClean="0"/>
+                        <a:t>DM:0, No: 1, Moderate: 2, Yes: 3</a:t>
+                      </a:r>
+                      <a:endParaRPr lang="en-US" sz="1200" dirty="0"/>
+                    </a:p>
+                  </a:txBody>
+                  <a:tcPr marL="45720" marR="45720" marT="0" marB="0"/>
+                </a:tc>
+              </a:tr>
+              <a:tr h="244368">
+                <a:tc>
+                  <a:txBody>
+                    <a:bodyPr/>
+                    <a:lstStyle/>
+                    <a:p>
+                      <a:r>
+                        <a:rPr lang="en-US" sz="900" dirty="0" smtClean="0"/>
+                        <a:t>Orthodox: 1, Traditional: 2, Moderate: 3, Liberal: 4, Modern: 5, Intl:6, Others: 7</a:t>
+                      </a:r>
+                      <a:endParaRPr lang="en-US" sz="900" dirty="0"/>
+                    </a:p>
+                  </a:txBody>
+                  <a:tcPr marL="45720" marR="45720" marT="0" marB="0"/>
+                </a:tc>
+              </a:tr>
+              <a:tr h="244368">
+                <a:tc>
+                  <a:txBody>
+                    <a:bodyPr/>
+                    <a:lstStyle/>
+                    <a:p>
+                      <a:r>
+                        <a:rPr lang="en-US" sz="1100" dirty="0" smtClean="0"/>
+                        <a:t>DM:0, Very Fair : 1, Fair: 2, Wheatish: 3, WheatishMedium :4, Dark:5</a:t>
+                      </a:r>
+                      <a:endParaRPr lang="en-US" sz="1100" dirty="0"/>
+                    </a:p>
+                  </a:txBody>
+                  <a:tcPr marL="45720" marR="45720" marT="0" marB="0"/>
+                </a:tc>
+              </a:tr>
+              <a:tr h="244368">
+                <a:tc>
+                  <a:txBody>
+                    <a:bodyPr/>
+                    <a:lstStyle/>
+                    <a:p>
+                      <a:r>
+                        <a:rPr lang="en-US" sz="1200" dirty="0" smtClean="0"/>
+                        <a:t>DM:0, Slim: 1, Average: 2, Heavy: 3, Athletic: 4</a:t>
+                      </a:r>
+                      <a:endParaRPr lang="en-US" sz="1200" dirty="0"/>
+                    </a:p>
+                  </a:txBody>
+                  <a:tcPr marL="45720" marR="45720" marT="0" marB="0"/>
+                </a:tc>
+              </a:tr>
+              <a:tr h="244368">
+                <a:tc>
+                  <a:txBody>
+                    <a:bodyPr/>
+                    <a:lstStyle/>
+                    <a:p>
+                      <a:r>
+                        <a:rPr lang="en-US" sz="1200" dirty="0" smtClean="0"/>
+                        <a:t>Partner’s caste important: 1, Not important: 0</a:t>
+                      </a:r>
+                      <a:endParaRPr lang="en-US" sz="1200" dirty="0"/>
+                    </a:p>
+                  </a:txBody>
+                  <a:tcPr marL="45720" marR="45720" marT="0" marB="0"/>
+                </a:tc>
+              </a:tr>
+              <a:tr h="244368">
+                <a:tc>
+                  <a:txBody>
+                    <a:bodyPr/>
+                    <a:lstStyle/>
+                    <a:p>
+                      <a:r>
+                        <a:rPr lang="en-US" sz="1200" dirty="0" smtClean="0"/>
+                        <a:t>Self:0, Daughter/Son: 1, Sister/Brother: 2, Relative: 3, Friend: 4</a:t>
+                      </a:r>
+                      <a:endParaRPr lang="en-US" sz="1200" dirty="0"/>
+                    </a:p>
+                  </a:txBody>
+                  <a:tcPr marL="45720" marR="45720" marT="0" marB="0"/>
+                </a:tc>
+              </a:tr>
+              <a:tr h="244368">
+                <a:tc>
+                  <a:txBody>
+                    <a:bodyPr/>
+                    <a:lstStyle/>
+                    <a:p>
+                      <a:r>
+                        <a:rPr lang="en-US" sz="1200" dirty="0" smtClean="0"/>
+                        <a:t>Not Working:0, Public Sector: 1, State </a:t>
+                      </a:r>
+                      <a:r>
+                        <a:rPr lang="en-US" sz="1200" dirty="0" err="1" smtClean="0"/>
+                        <a:t>Govt</a:t>
+                      </a:r>
+                      <a:r>
+                        <a:rPr lang="en-US" sz="1200" dirty="0" smtClean="0"/>
+                        <a:t>: 2, Central </a:t>
+                      </a:r>
+                      <a:r>
+                        <a:rPr lang="en-US" sz="1200" dirty="0" err="1" smtClean="0"/>
+                        <a:t>Govt</a:t>
+                      </a:r>
+                      <a:r>
+                        <a:rPr lang="en-US" sz="1200" dirty="0" smtClean="0"/>
+                        <a:t>: 3, Private Sector:4, MNC:5, Others:6, DM: 7</a:t>
+                      </a:r>
+                      <a:endParaRPr lang="en-US" sz="1200" dirty="0"/>
+                    </a:p>
+                  </a:txBody>
+                  <a:tcPr marL="45720" marR="45720" marT="0" marB="0"/>
+                </a:tc>
+              </a:tr>
+              <a:tr h="244368">
+                <a:tc>
+                  <a:txBody>
+                    <a:bodyPr/>
+                    <a:lstStyle/>
+                    <a:p>
+                      <a:r>
+                        <a:rPr lang="en-US" sz="900" dirty="0" smtClean="0"/>
+                        <a:t>Armed Forces: 1, Business/Entrepreneur: 2, Civil Services: 3, Housewife:4, Passed:5, Retired:6, Service - </a:t>
+                      </a:r>
+                      <a:r>
+                        <a:rPr lang="en-US" sz="900" dirty="0" err="1" smtClean="0"/>
+                        <a:t>Govt</a:t>
+                      </a:r>
+                      <a:r>
+                        <a:rPr lang="en-US" sz="900" dirty="0" smtClean="0"/>
+                        <a:t>/ PSU:7, Service - Private: 8, Teacher:9, Not Employed:10</a:t>
+                      </a:r>
+                      <a:endParaRPr lang="en-US" sz="900" dirty="0"/>
+                    </a:p>
+                  </a:txBody>
+                  <a:tcPr marL="45720" marR="45720" marT="0" marB="0"/>
+                </a:tc>
+              </a:tr>
+              <a:tr h="244368">
+                <a:tc>
+                  <a:txBody>
+                    <a:bodyPr/>
+                    <a:lstStyle/>
+                    <a:p>
+                      <a:r>
+                        <a:rPr lang="en-US" sz="1200" dirty="0" smtClean="0"/>
+                        <a:t>Living alone: 0, Living with Parents: 1</a:t>
+                      </a:r>
+                      <a:endParaRPr lang="en-US" sz="1200" dirty="0"/>
+                    </a:p>
+                  </a:txBody>
+                  <a:tcPr marL="45720" marR="45720" marT="0" marB="0"/>
+                </a:tc>
+              </a:tr>
+              <a:tr h="244368">
+                <a:tc>
+                  <a:txBody>
+                    <a:bodyPr/>
+                    <a:lstStyle/>
+                    <a:p>
+                      <a:r>
+                        <a:rPr lang="en-US" sz="1200" dirty="0" smtClean="0"/>
+                        <a:t>Number of brothers</a:t>
+                      </a:r>
+                      <a:endParaRPr lang="en-US" sz="1200" dirty="0"/>
+                    </a:p>
+                  </a:txBody>
+                  <a:tcPr marL="45720" marR="45720" marT="0" marB="0"/>
+                </a:tc>
+              </a:tr>
+              <a:tr h="244368">
+                <a:tc>
+                  <a:txBody>
+                    <a:bodyPr/>
+                    <a:lstStyle/>
+                    <a:p>
+                      <a:r>
+                        <a:rPr lang="en-US" sz="1200" dirty="0" smtClean="0"/>
+                        <a:t>Number of sisters</a:t>
+                      </a:r>
+                      <a:endParaRPr lang="en-US" sz="1200" dirty="0"/>
+                    </a:p>
+                  </a:txBody>
+                  <a:tcPr marL="45720" marR="45720" marT="0" marB="0"/>
+                </a:tc>
+              </a:tr>
+              <a:tr h="244368">
+                <a:tc>
+                  <a:txBody>
+                    <a:bodyPr/>
+                    <a:lstStyle/>
+                    <a:p>
+                      <a:r>
+                        <a:rPr lang="en-US" sz="1200" dirty="0" smtClean="0"/>
+                        <a:t>High school: 0, Some</a:t>
+                      </a:r>
+                      <a:r>
+                        <a:rPr lang="en-US" sz="1200" baseline="0" dirty="0" smtClean="0"/>
+                        <a:t> college :1, Bachelors: 2, Masters: 3, PhD: 4</a:t>
+                      </a:r>
+                      <a:endParaRPr lang="en-US" sz="1200" dirty="0"/>
+                    </a:p>
+                  </a:txBody>
+                  <a:tcPr marL="45720" marR="45720" marT="0" marB="0"/>
+                </a:tc>
+              </a:tr>
+            </a:tbl>
+          </a:graphicData>
+        </a:graphic>
+      </p:graphicFrame>
+      <p:pic>
+        <p:nvPicPr>
+          <p:cNvPr id="20" name="Picture 19"/>
+          <p:cNvPicPr>
+            <a:picLocks noChangeAspect="1"/>
+          </p:cNvPicPr>
+          <p:nvPr/>
+        </p:nvPicPr>
+        <p:blipFill rotWithShape="1">
+          <a:blip r:embed="rId2"/>
+          <a:srcRect b="75448"/>
+          <a:stretch/>
+        </p:blipFill>
+        <p:spPr>
+          <a:xfrm>
+            <a:off x="131110" y="292296"/>
+            <a:ext cx="4665389" cy="1683763"/>
+          </a:xfrm>
+          <a:prstGeom prst="rect">
+            <a:avLst/>
+          </a:prstGeom>
+        </p:spPr>
+      </p:pic>
+      <p:sp>
+        <p:nvSpPr>
+          <p:cNvPr id="7" name="Rounded Rectangle 6"/>
+          <p:cNvSpPr/>
+          <p:nvPr/>
+        </p:nvSpPr>
+        <p:spPr>
+          <a:xfrm>
+            <a:off x="1059056" y="538424"/>
+            <a:ext cx="3621541" cy="1186366"/>
+          </a:xfrm>
+          <a:prstGeom prst="roundRect">
+            <a:avLst/>
+          </a:prstGeom>
+          <a:noFill/>
+          <a:ln>
+            <a:solidFill>
+              <a:srgbClr val="FF0000"/>
+            </a:solidFill>
+          </a:ln>
+        </p:spPr>
+        <p:style>
+          <a:lnRef idx="1">
+            <a:schemeClr val="accent1"/>
+          </a:lnRef>
+          <a:fillRef idx="3">
+            <a:schemeClr val="accent1"/>
+          </a:fillRef>
+          <a:effectRef idx="2">
+            <a:schemeClr val="accent1"/>
+          </a:effectRef>
+          <a:fontRef idx="minor">
+            <a:schemeClr val="lt1"/>
+          </a:fontRef>
+        </p:style>
+        <p:txBody>
+          <a:bodyPr rtlCol="0" anchor="ctr"/>
+          <a:lstStyle/>
+          <a:p>
+            <a:pPr algn="ctr"/>
+            <a:endParaRPr lang="en-US"/>
+          </a:p>
+        </p:txBody>
+      </p:sp>
+      <p:sp>
+        <p:nvSpPr>
+          <p:cNvPr id="24" name="Rounded Rectangle 23"/>
+          <p:cNvSpPr/>
+          <p:nvPr/>
+        </p:nvSpPr>
+        <p:spPr>
+          <a:xfrm>
+            <a:off x="1074913" y="1724790"/>
+            <a:ext cx="3621541" cy="239597"/>
+          </a:xfrm>
+          <a:prstGeom prst="roundRect">
+            <a:avLst/>
+          </a:prstGeom>
+          <a:noFill/>
+          <a:ln>
+            <a:solidFill>
+              <a:srgbClr val="008000"/>
             </a:solidFill>
           </a:ln>
         </p:spPr>
@@ -6153,7 +6543,7 @@
         </p:blipFill>
         <p:spPr>
           <a:xfrm>
-            <a:off x="503968" y="0"/>
+            <a:off x="503968" y="-13655"/>
             <a:ext cx="6754958" cy="6858000"/>
           </a:xfrm>
           <a:prstGeom prst="rect">
